--- a/Presentation IBM.pptx
+++ b/Presentation IBM.pptx
@@ -1,27 +1,122 @@
 
 <file path=ppt/presentation.xml><?xml version="1.0" encoding="utf-8"?>
-<p:presentation xmlns:a="http://schemas.openxmlformats.org/drawingml/2006/main" xmlns:p="http://schemas.openxmlformats.org/presentationml/2006/main" xmlns:r="http://schemas.openxmlformats.org/officeDocument/2006/relationships">
+<p:presentation xmlns:a="http://schemas.openxmlformats.org/drawingml/2006/main" xmlns:r="http://schemas.openxmlformats.org/officeDocument/2006/relationships" xmlns:p="http://schemas.openxmlformats.org/presentationml/2006/main">
   <p:sldMasterIdLst>
-    <p:sldMasterId id="2147483648" r:id="rId2"/>
+    <p:sldMasterId id="2147483648" r:id="rId1"/>
   </p:sldMasterIdLst>
   <p:sldIdLst>
-    <p:sldId id="256" r:id="rId3"/>
-    <p:sldId id="257" r:id="rId4"/>
-    <p:sldId id="258" r:id="rId5"/>
-    <p:sldId id="259" r:id="rId6"/>
-    <p:sldId id="260" r:id="rId7"/>
-    <p:sldId id="261" r:id="rId8"/>
-    <p:sldId id="262" r:id="rId9"/>
-    <p:sldId id="263" r:id="rId10"/>
-    <p:sldId id="264" r:id="rId11"/>
+    <p:sldId id="256" r:id="rId2"/>
+    <p:sldId id="257" r:id="rId3"/>
+    <p:sldId id="258" r:id="rId4"/>
+    <p:sldId id="259" r:id="rId5"/>
+    <p:sldId id="260" r:id="rId6"/>
+    <p:sldId id="261" r:id="rId7"/>
+    <p:sldId id="262" r:id="rId8"/>
+    <p:sldId id="263" r:id="rId9"/>
+    <p:sldId id="264" r:id="rId10"/>
   </p:sldIdLst>
   <p:sldSz cx="10080625" cy="7559675"/>
   <p:notesSz cx="7772400" cy="10058400"/>
+  <p:defaultTextStyle>
+    <a:defPPr>
+      <a:defRPr lang="fr-FR"/>
+    </a:defPPr>
+    <a:lvl1pPr marL="0" algn="l" defTabSz="914400" rtl="0" eaLnBrk="1" latinLnBrk="0" hangingPunct="1">
+      <a:defRPr sz="1800" kern="1200">
+        <a:solidFill>
+          <a:schemeClr val="tx1"/>
+        </a:solidFill>
+        <a:latin typeface="+mn-lt"/>
+        <a:ea typeface="+mn-ea"/>
+        <a:cs typeface="+mn-cs"/>
+      </a:defRPr>
+    </a:lvl1pPr>
+    <a:lvl2pPr marL="457200" algn="l" defTabSz="914400" rtl="0" eaLnBrk="1" latinLnBrk="0" hangingPunct="1">
+      <a:defRPr sz="1800" kern="1200">
+        <a:solidFill>
+          <a:schemeClr val="tx1"/>
+        </a:solidFill>
+        <a:latin typeface="+mn-lt"/>
+        <a:ea typeface="+mn-ea"/>
+        <a:cs typeface="+mn-cs"/>
+      </a:defRPr>
+    </a:lvl2pPr>
+    <a:lvl3pPr marL="914400" algn="l" defTabSz="914400" rtl="0" eaLnBrk="1" latinLnBrk="0" hangingPunct="1">
+      <a:defRPr sz="1800" kern="1200">
+        <a:solidFill>
+          <a:schemeClr val="tx1"/>
+        </a:solidFill>
+        <a:latin typeface="+mn-lt"/>
+        <a:ea typeface="+mn-ea"/>
+        <a:cs typeface="+mn-cs"/>
+      </a:defRPr>
+    </a:lvl3pPr>
+    <a:lvl4pPr marL="1371600" algn="l" defTabSz="914400" rtl="0" eaLnBrk="1" latinLnBrk="0" hangingPunct="1">
+      <a:defRPr sz="1800" kern="1200">
+        <a:solidFill>
+          <a:schemeClr val="tx1"/>
+        </a:solidFill>
+        <a:latin typeface="+mn-lt"/>
+        <a:ea typeface="+mn-ea"/>
+        <a:cs typeface="+mn-cs"/>
+      </a:defRPr>
+    </a:lvl4pPr>
+    <a:lvl5pPr marL="1828800" algn="l" defTabSz="914400" rtl="0" eaLnBrk="1" latinLnBrk="0" hangingPunct="1">
+      <a:defRPr sz="1800" kern="1200">
+        <a:solidFill>
+          <a:schemeClr val="tx1"/>
+        </a:solidFill>
+        <a:latin typeface="+mn-lt"/>
+        <a:ea typeface="+mn-ea"/>
+        <a:cs typeface="+mn-cs"/>
+      </a:defRPr>
+    </a:lvl5pPr>
+    <a:lvl6pPr marL="2286000" algn="l" defTabSz="914400" rtl="0" eaLnBrk="1" latinLnBrk="0" hangingPunct="1">
+      <a:defRPr sz="1800" kern="1200">
+        <a:solidFill>
+          <a:schemeClr val="tx1"/>
+        </a:solidFill>
+        <a:latin typeface="+mn-lt"/>
+        <a:ea typeface="+mn-ea"/>
+        <a:cs typeface="+mn-cs"/>
+      </a:defRPr>
+    </a:lvl6pPr>
+    <a:lvl7pPr marL="2743200" algn="l" defTabSz="914400" rtl="0" eaLnBrk="1" latinLnBrk="0" hangingPunct="1">
+      <a:defRPr sz="1800" kern="1200">
+        <a:solidFill>
+          <a:schemeClr val="tx1"/>
+        </a:solidFill>
+        <a:latin typeface="+mn-lt"/>
+        <a:ea typeface="+mn-ea"/>
+        <a:cs typeface="+mn-cs"/>
+      </a:defRPr>
+    </a:lvl7pPr>
+    <a:lvl8pPr marL="3200400" algn="l" defTabSz="914400" rtl="0" eaLnBrk="1" latinLnBrk="0" hangingPunct="1">
+      <a:defRPr sz="1800" kern="1200">
+        <a:solidFill>
+          <a:schemeClr val="tx1"/>
+        </a:solidFill>
+        <a:latin typeface="+mn-lt"/>
+        <a:ea typeface="+mn-ea"/>
+        <a:cs typeface="+mn-cs"/>
+      </a:defRPr>
+    </a:lvl8pPr>
+    <a:lvl9pPr marL="3657600" algn="l" defTabSz="914400" rtl="0" eaLnBrk="1" latinLnBrk="0" hangingPunct="1">
+      <a:defRPr sz="1800" kern="1200">
+        <a:solidFill>
+          <a:schemeClr val="tx1"/>
+        </a:solidFill>
+        <a:latin typeface="+mn-lt"/>
+        <a:ea typeface="+mn-ea"/>
+        <a:cs typeface="+mn-cs"/>
+      </a:defRPr>
+    </a:lvl9pPr>
+  </p:defaultTextStyle>
 </p:presentation>
 </file>
 
 <file path=ppt/slideLayouts/slideLayout1.xml><?xml version="1.0" encoding="utf-8"?>
-<p:sldLayout xmlns:a="http://schemas.openxmlformats.org/drawingml/2006/main" xmlns:p="http://schemas.openxmlformats.org/presentationml/2006/main" xmlns:r="http://schemas.openxmlformats.org/officeDocument/2006/relationships" type="blank" preserve="1">
+<p:sldLayout xmlns:a="http://schemas.openxmlformats.org/drawingml/2006/main" xmlns:r="http://schemas.openxmlformats.org/officeDocument/2006/relationships" xmlns:p="http://schemas.openxmlformats.org/presentationml/2006/main" type="blank" preserve="1">
   <p:cSld name="Blank Slide">
     <p:spTree>
       <p:nvGrpSpPr>
@@ -39,11 +134,14 @@
       </p:grpSpPr>
     </p:spTree>
   </p:cSld>
+  <p:clrMapOvr>
+    <a:masterClrMapping/>
+  </p:clrMapOvr>
 </p:sldLayout>
 </file>
 
 <file path=ppt/slideLayouts/slideLayout10.xml><?xml version="1.0" encoding="utf-8"?>
-<p:sldLayout xmlns:a="http://schemas.openxmlformats.org/drawingml/2006/main" xmlns:p="http://schemas.openxmlformats.org/presentationml/2006/main" xmlns:r="http://schemas.openxmlformats.org/officeDocument/2006/relationships" type="objOverTx" preserve="1">
+<p:sldLayout xmlns:a="http://schemas.openxmlformats.org/drawingml/2006/main" xmlns:r="http://schemas.openxmlformats.org/officeDocument/2006/relationships" xmlns:p="http://schemas.openxmlformats.org/presentationml/2006/main" type="objOverTx" preserve="1">
   <p:cSld name="Title, Content over Content">
     <p:spTree>
       <p:nvGrpSpPr>
@@ -79,7 +177,8 @@
           </a:prstGeom>
         </p:spPr>
         <p:txBody>
-          <a:bodyPr lIns="0" rIns="0" tIns="0" bIns="0" anchor="ctr"/>
+          <a:bodyPr lIns="0" tIns="0" rIns="0" bIns="0" anchor="ctr"/>
+          <a:lstStyle/>
           <a:p>
             <a:pPr algn="ctr"/>
             <a:endParaRPr/>
@@ -106,7 +205,8 @@
           </a:prstGeom>
         </p:spPr>
         <p:txBody>
-          <a:bodyPr lIns="0" rIns="0" tIns="0" bIns="0"/>
+          <a:bodyPr lIns="0" tIns="0" rIns="0" bIns="0"/>
+          <a:lstStyle/>
           <a:p>
             <a:endParaRPr/>
           </a:p>
@@ -132,7 +232,8 @@
           </a:prstGeom>
         </p:spPr>
         <p:txBody>
-          <a:bodyPr lIns="0" rIns="0" tIns="0" bIns="0"/>
+          <a:bodyPr lIns="0" tIns="0" rIns="0" bIns="0"/>
+          <a:lstStyle/>
           <a:p>
             <a:endParaRPr/>
           </a:p>
@@ -140,11 +241,14 @@
       </p:sp>
     </p:spTree>
   </p:cSld>
+  <p:clrMapOvr>
+    <a:masterClrMapping/>
+  </p:clrMapOvr>
 </p:sldLayout>
 </file>
 
 <file path=ppt/slideLayouts/slideLayout11.xml><?xml version="1.0" encoding="utf-8"?>
-<p:sldLayout xmlns:a="http://schemas.openxmlformats.org/drawingml/2006/main" xmlns:p="http://schemas.openxmlformats.org/presentationml/2006/main" xmlns:r="http://schemas.openxmlformats.org/officeDocument/2006/relationships" type="fourObj" preserve="1">
+<p:sldLayout xmlns:a="http://schemas.openxmlformats.org/drawingml/2006/main" xmlns:r="http://schemas.openxmlformats.org/officeDocument/2006/relationships" xmlns:p="http://schemas.openxmlformats.org/presentationml/2006/main" type="fourObj" preserve="1">
   <p:cSld name="Title, 4 Content">
     <p:spTree>
       <p:nvGrpSpPr>
@@ -180,7 +284,8 @@
           </a:prstGeom>
         </p:spPr>
         <p:txBody>
-          <a:bodyPr lIns="0" rIns="0" tIns="0" bIns="0" anchor="ctr"/>
+          <a:bodyPr lIns="0" tIns="0" rIns="0" bIns="0" anchor="ctr"/>
+          <a:lstStyle/>
           <a:p>
             <a:pPr algn="ctr"/>
             <a:endParaRPr/>
@@ -207,7 +312,8 @@
           </a:prstGeom>
         </p:spPr>
         <p:txBody>
-          <a:bodyPr lIns="0" rIns="0" tIns="0" bIns="0"/>
+          <a:bodyPr lIns="0" tIns="0" rIns="0" bIns="0"/>
+          <a:lstStyle/>
           <a:p>
             <a:endParaRPr/>
           </a:p>
@@ -233,7 +339,8 @@
           </a:prstGeom>
         </p:spPr>
         <p:txBody>
-          <a:bodyPr lIns="0" rIns="0" tIns="0" bIns="0"/>
+          <a:bodyPr lIns="0" tIns="0" rIns="0" bIns="0"/>
+          <a:lstStyle/>
           <a:p>
             <a:endParaRPr/>
           </a:p>
@@ -259,7 +366,8 @@
           </a:prstGeom>
         </p:spPr>
         <p:txBody>
-          <a:bodyPr lIns="0" rIns="0" tIns="0" bIns="0"/>
+          <a:bodyPr lIns="0" tIns="0" rIns="0" bIns="0"/>
+          <a:lstStyle/>
           <a:p>
             <a:endParaRPr/>
           </a:p>
@@ -285,7 +393,8 @@
           </a:prstGeom>
         </p:spPr>
         <p:txBody>
-          <a:bodyPr lIns="0" rIns="0" tIns="0" bIns="0"/>
+          <a:bodyPr lIns="0" tIns="0" rIns="0" bIns="0"/>
+          <a:lstStyle/>
           <a:p>
             <a:endParaRPr/>
           </a:p>
@@ -293,11 +402,14 @@
       </p:sp>
     </p:spTree>
   </p:cSld>
+  <p:clrMapOvr>
+    <a:masterClrMapping/>
+  </p:clrMapOvr>
 </p:sldLayout>
 </file>
 
 <file path=ppt/slideLayouts/slideLayout12.xml><?xml version="1.0" encoding="utf-8"?>
-<p:sldLayout xmlns:a="http://schemas.openxmlformats.org/drawingml/2006/main" xmlns:p="http://schemas.openxmlformats.org/presentationml/2006/main" xmlns:r="http://schemas.openxmlformats.org/officeDocument/2006/relationships" type="blank" preserve="1">
+<p:sldLayout xmlns:a="http://schemas.openxmlformats.org/drawingml/2006/main" xmlns:r="http://schemas.openxmlformats.org/officeDocument/2006/relationships" xmlns:p="http://schemas.openxmlformats.org/presentationml/2006/main" type="blank" preserve="1">
   <p:cSld name="Title, 6 Content">
     <p:spTree>
       <p:nvGrpSpPr>
@@ -333,7 +445,8 @@
           </a:prstGeom>
         </p:spPr>
         <p:txBody>
-          <a:bodyPr lIns="0" rIns="0" tIns="0" bIns="0" anchor="ctr"/>
+          <a:bodyPr lIns="0" tIns="0" rIns="0" bIns="0" anchor="ctr"/>
+          <a:lstStyle/>
           <a:p>
             <a:pPr algn="ctr"/>
             <a:endParaRPr/>
@@ -360,7 +473,8 @@
           </a:prstGeom>
         </p:spPr>
         <p:txBody>
-          <a:bodyPr lIns="0" rIns="0" tIns="0" bIns="0"/>
+          <a:bodyPr lIns="0" tIns="0" rIns="0" bIns="0"/>
+          <a:lstStyle/>
           <a:p>
             <a:endParaRPr/>
           </a:p>
@@ -386,7 +500,8 @@
           </a:prstGeom>
         </p:spPr>
         <p:txBody>
-          <a:bodyPr lIns="0" rIns="0" tIns="0" bIns="0"/>
+          <a:bodyPr lIns="0" tIns="0" rIns="0" bIns="0"/>
+          <a:lstStyle/>
           <a:p>
             <a:endParaRPr/>
           </a:p>
@@ -394,7 +509,7 @@
       </p:sp>
       <p:pic>
         <p:nvPicPr>
-          <p:cNvPr id="37" name="" descr=""/>
+          <p:cNvPr id="37" name="Picture 36"/>
           <p:cNvPicPr/>
           <p:nvPr/>
         </p:nvPicPr>
@@ -419,12 +534,12 @@
       </p:pic>
       <p:pic>
         <p:nvPicPr>
-          <p:cNvPr id="38" name="" descr=""/>
+          <p:cNvPr id="38" name="Picture 37"/>
           <p:cNvPicPr/>
           <p:nvPr/>
         </p:nvPicPr>
         <p:blipFill>
-          <a:blip r:embed="rId3"/>
+          <a:blip r:embed="rId2"/>
           <a:stretch>
             <a:fillRect/>
           </a:stretch>
@@ -444,11 +559,14 @@
       </p:pic>
     </p:spTree>
   </p:cSld>
+  <p:clrMapOvr>
+    <a:masterClrMapping/>
+  </p:clrMapOvr>
 </p:sldLayout>
 </file>
 
 <file path=ppt/slideLayouts/slideLayout2.xml><?xml version="1.0" encoding="utf-8"?>
-<p:sldLayout xmlns:a="http://schemas.openxmlformats.org/drawingml/2006/main" xmlns:p="http://schemas.openxmlformats.org/presentationml/2006/main" xmlns:r="http://schemas.openxmlformats.org/officeDocument/2006/relationships" type="tx" preserve="1">
+<p:sldLayout xmlns:a="http://schemas.openxmlformats.org/drawingml/2006/main" xmlns:r="http://schemas.openxmlformats.org/officeDocument/2006/relationships" xmlns:p="http://schemas.openxmlformats.org/presentationml/2006/main" type="tx" preserve="1">
   <p:cSld name="Title Slide">
     <p:spTree>
       <p:nvGrpSpPr>
@@ -484,7 +602,8 @@
           </a:prstGeom>
         </p:spPr>
         <p:txBody>
-          <a:bodyPr lIns="0" rIns="0" tIns="0" bIns="0" anchor="ctr"/>
+          <a:bodyPr lIns="0" tIns="0" rIns="0" bIns="0" anchor="ctr"/>
+          <a:lstStyle/>
           <a:p>
             <a:pPr algn="ctr"/>
             <a:endParaRPr/>
@@ -511,7 +630,8 @@
           </a:prstGeom>
         </p:spPr>
         <p:txBody>
-          <a:bodyPr lIns="0" rIns="0" tIns="0" bIns="0" anchor="ctr"/>
+          <a:bodyPr lIns="0" tIns="0" rIns="0" bIns="0" anchor="ctr"/>
+          <a:lstStyle/>
           <a:p>
             <a:pPr algn="ctr"/>
             <a:endParaRPr/>
@@ -520,11 +640,14 @@
       </p:sp>
     </p:spTree>
   </p:cSld>
+  <p:clrMapOvr>
+    <a:masterClrMapping/>
+  </p:clrMapOvr>
 </p:sldLayout>
 </file>
 
 <file path=ppt/slideLayouts/slideLayout3.xml><?xml version="1.0" encoding="utf-8"?>
-<p:sldLayout xmlns:a="http://schemas.openxmlformats.org/drawingml/2006/main" xmlns:p="http://schemas.openxmlformats.org/presentationml/2006/main" xmlns:r="http://schemas.openxmlformats.org/officeDocument/2006/relationships" type="obj" preserve="1">
+<p:sldLayout xmlns:a="http://schemas.openxmlformats.org/drawingml/2006/main" xmlns:r="http://schemas.openxmlformats.org/officeDocument/2006/relationships" xmlns:p="http://schemas.openxmlformats.org/presentationml/2006/main" type="obj" preserve="1">
   <p:cSld name="Title, Content">
     <p:spTree>
       <p:nvGrpSpPr>
@@ -560,7 +683,8 @@
           </a:prstGeom>
         </p:spPr>
         <p:txBody>
-          <a:bodyPr lIns="0" rIns="0" tIns="0" bIns="0" anchor="ctr"/>
+          <a:bodyPr lIns="0" tIns="0" rIns="0" bIns="0" anchor="ctr"/>
+          <a:lstStyle/>
           <a:p>
             <a:pPr algn="ctr"/>
             <a:endParaRPr/>
@@ -587,7 +711,8 @@
           </a:prstGeom>
         </p:spPr>
         <p:txBody>
-          <a:bodyPr lIns="0" rIns="0" tIns="0" bIns="0"/>
+          <a:bodyPr lIns="0" tIns="0" rIns="0" bIns="0"/>
+          <a:lstStyle/>
           <a:p>
             <a:endParaRPr/>
           </a:p>
@@ -595,11 +720,14 @@
       </p:sp>
     </p:spTree>
   </p:cSld>
+  <p:clrMapOvr>
+    <a:masterClrMapping/>
+  </p:clrMapOvr>
 </p:sldLayout>
 </file>
 
 <file path=ppt/slideLayouts/slideLayout4.xml><?xml version="1.0" encoding="utf-8"?>
-<p:sldLayout xmlns:a="http://schemas.openxmlformats.org/drawingml/2006/main" xmlns:p="http://schemas.openxmlformats.org/presentationml/2006/main" xmlns:r="http://schemas.openxmlformats.org/officeDocument/2006/relationships" type="twoObj" preserve="1">
+<p:sldLayout xmlns:a="http://schemas.openxmlformats.org/drawingml/2006/main" xmlns:r="http://schemas.openxmlformats.org/officeDocument/2006/relationships" xmlns:p="http://schemas.openxmlformats.org/presentationml/2006/main" type="twoObj" preserve="1">
   <p:cSld name="Title, 2 Content">
     <p:spTree>
       <p:nvGrpSpPr>
@@ -635,7 +763,8 @@
           </a:prstGeom>
         </p:spPr>
         <p:txBody>
-          <a:bodyPr lIns="0" rIns="0" tIns="0" bIns="0" anchor="ctr"/>
+          <a:bodyPr lIns="0" tIns="0" rIns="0" bIns="0" anchor="ctr"/>
+          <a:lstStyle/>
           <a:p>
             <a:pPr algn="ctr"/>
             <a:endParaRPr/>
@@ -662,7 +791,8 @@
           </a:prstGeom>
         </p:spPr>
         <p:txBody>
-          <a:bodyPr lIns="0" rIns="0" tIns="0" bIns="0"/>
+          <a:bodyPr lIns="0" tIns="0" rIns="0" bIns="0"/>
+          <a:lstStyle/>
           <a:p>
             <a:endParaRPr/>
           </a:p>
@@ -688,7 +818,8 @@
           </a:prstGeom>
         </p:spPr>
         <p:txBody>
-          <a:bodyPr lIns="0" rIns="0" tIns="0" bIns="0"/>
+          <a:bodyPr lIns="0" tIns="0" rIns="0" bIns="0"/>
+          <a:lstStyle/>
           <a:p>
             <a:endParaRPr/>
           </a:p>
@@ -696,11 +827,14 @@
       </p:sp>
     </p:spTree>
   </p:cSld>
+  <p:clrMapOvr>
+    <a:masterClrMapping/>
+  </p:clrMapOvr>
 </p:sldLayout>
 </file>
 
 <file path=ppt/slideLayouts/slideLayout5.xml><?xml version="1.0" encoding="utf-8"?>
-<p:sldLayout xmlns:a="http://schemas.openxmlformats.org/drawingml/2006/main" xmlns:p="http://schemas.openxmlformats.org/presentationml/2006/main" xmlns:r="http://schemas.openxmlformats.org/officeDocument/2006/relationships" type="titleOnly" preserve="1">
+<p:sldLayout xmlns:a="http://schemas.openxmlformats.org/drawingml/2006/main" xmlns:r="http://schemas.openxmlformats.org/officeDocument/2006/relationships" xmlns:p="http://schemas.openxmlformats.org/presentationml/2006/main" type="titleOnly" preserve="1">
   <p:cSld name="Title Only">
     <p:spTree>
       <p:nvGrpSpPr>
@@ -736,7 +870,8 @@
           </a:prstGeom>
         </p:spPr>
         <p:txBody>
-          <a:bodyPr lIns="0" rIns="0" tIns="0" bIns="0" anchor="ctr"/>
+          <a:bodyPr lIns="0" tIns="0" rIns="0" bIns="0" anchor="ctr"/>
+          <a:lstStyle/>
           <a:p>
             <a:pPr algn="ctr"/>
             <a:endParaRPr/>
@@ -745,11 +880,14 @@
       </p:sp>
     </p:spTree>
   </p:cSld>
+  <p:clrMapOvr>
+    <a:masterClrMapping/>
+  </p:clrMapOvr>
 </p:sldLayout>
 </file>
 
 <file path=ppt/slideLayouts/slideLayout6.xml><?xml version="1.0" encoding="utf-8"?>
-<p:sldLayout xmlns:a="http://schemas.openxmlformats.org/drawingml/2006/main" xmlns:p="http://schemas.openxmlformats.org/presentationml/2006/main" xmlns:r="http://schemas.openxmlformats.org/officeDocument/2006/relationships" type="objOnly" preserve="1">
+<p:sldLayout xmlns:a="http://schemas.openxmlformats.org/drawingml/2006/main" xmlns:r="http://schemas.openxmlformats.org/officeDocument/2006/relationships" xmlns:p="http://schemas.openxmlformats.org/presentationml/2006/main" type="objOnly" preserve="1">
   <p:cSld name="Centered Text">
     <p:spTree>
       <p:nvGrpSpPr>
@@ -785,7 +923,8 @@
           </a:prstGeom>
         </p:spPr>
         <p:txBody>
-          <a:bodyPr lIns="0" rIns="0" tIns="0" bIns="0" anchor="ctr"/>
+          <a:bodyPr lIns="0" tIns="0" rIns="0" bIns="0" anchor="ctr"/>
+          <a:lstStyle/>
           <a:p>
             <a:pPr algn="ctr"/>
             <a:endParaRPr/>
@@ -794,11 +933,14 @@
       </p:sp>
     </p:spTree>
   </p:cSld>
+  <p:clrMapOvr>
+    <a:masterClrMapping/>
+  </p:clrMapOvr>
 </p:sldLayout>
 </file>
 
 <file path=ppt/slideLayouts/slideLayout7.xml><?xml version="1.0" encoding="utf-8"?>
-<p:sldLayout xmlns:a="http://schemas.openxmlformats.org/drawingml/2006/main" xmlns:p="http://schemas.openxmlformats.org/presentationml/2006/main" xmlns:r="http://schemas.openxmlformats.org/officeDocument/2006/relationships" type="twoObjAndObj" preserve="1">
+<p:sldLayout xmlns:a="http://schemas.openxmlformats.org/drawingml/2006/main" xmlns:r="http://schemas.openxmlformats.org/officeDocument/2006/relationships" xmlns:p="http://schemas.openxmlformats.org/presentationml/2006/main" type="twoObjAndObj" preserve="1">
   <p:cSld name="Title, 2 Content and Content">
     <p:spTree>
       <p:nvGrpSpPr>
@@ -834,7 +976,8 @@
           </a:prstGeom>
         </p:spPr>
         <p:txBody>
-          <a:bodyPr lIns="0" rIns="0" tIns="0" bIns="0" anchor="ctr"/>
+          <a:bodyPr lIns="0" tIns="0" rIns="0" bIns="0" anchor="ctr"/>
+          <a:lstStyle/>
           <a:p>
             <a:pPr algn="ctr"/>
             <a:endParaRPr/>
@@ -861,7 +1004,8 @@
           </a:prstGeom>
         </p:spPr>
         <p:txBody>
-          <a:bodyPr lIns="0" rIns="0" tIns="0" bIns="0"/>
+          <a:bodyPr lIns="0" tIns="0" rIns="0" bIns="0"/>
+          <a:lstStyle/>
           <a:p>
             <a:endParaRPr/>
           </a:p>
@@ -887,7 +1031,8 @@
           </a:prstGeom>
         </p:spPr>
         <p:txBody>
-          <a:bodyPr lIns="0" rIns="0" tIns="0" bIns="0"/>
+          <a:bodyPr lIns="0" tIns="0" rIns="0" bIns="0"/>
+          <a:lstStyle/>
           <a:p>
             <a:endParaRPr/>
           </a:p>
@@ -913,7 +1058,8 @@
           </a:prstGeom>
         </p:spPr>
         <p:txBody>
-          <a:bodyPr lIns="0" rIns="0" tIns="0" bIns="0"/>
+          <a:bodyPr lIns="0" tIns="0" rIns="0" bIns="0"/>
+          <a:lstStyle/>
           <a:p>
             <a:endParaRPr/>
           </a:p>
@@ -921,11 +1067,14 @@
       </p:sp>
     </p:spTree>
   </p:cSld>
+  <p:clrMapOvr>
+    <a:masterClrMapping/>
+  </p:clrMapOvr>
 </p:sldLayout>
 </file>
 
 <file path=ppt/slideLayouts/slideLayout8.xml><?xml version="1.0" encoding="utf-8"?>
-<p:sldLayout xmlns:a="http://schemas.openxmlformats.org/drawingml/2006/main" xmlns:p="http://schemas.openxmlformats.org/presentationml/2006/main" xmlns:r="http://schemas.openxmlformats.org/officeDocument/2006/relationships" type="objAndTwoObj" preserve="1">
+<p:sldLayout xmlns:a="http://schemas.openxmlformats.org/drawingml/2006/main" xmlns:r="http://schemas.openxmlformats.org/officeDocument/2006/relationships" xmlns:p="http://schemas.openxmlformats.org/presentationml/2006/main" type="objAndTwoObj" preserve="1">
   <p:cSld name="Title Content and 2 Content">
     <p:spTree>
       <p:nvGrpSpPr>
@@ -961,7 +1110,8 @@
           </a:prstGeom>
         </p:spPr>
         <p:txBody>
-          <a:bodyPr lIns="0" rIns="0" tIns="0" bIns="0" anchor="ctr"/>
+          <a:bodyPr lIns="0" tIns="0" rIns="0" bIns="0" anchor="ctr"/>
+          <a:lstStyle/>
           <a:p>
             <a:pPr algn="ctr"/>
             <a:endParaRPr/>
@@ -988,7 +1138,8 @@
           </a:prstGeom>
         </p:spPr>
         <p:txBody>
-          <a:bodyPr lIns="0" rIns="0" tIns="0" bIns="0"/>
+          <a:bodyPr lIns="0" tIns="0" rIns="0" bIns="0"/>
+          <a:lstStyle/>
           <a:p>
             <a:endParaRPr/>
           </a:p>
@@ -1014,7 +1165,8 @@
           </a:prstGeom>
         </p:spPr>
         <p:txBody>
-          <a:bodyPr lIns="0" rIns="0" tIns="0" bIns="0"/>
+          <a:bodyPr lIns="0" tIns="0" rIns="0" bIns="0"/>
+          <a:lstStyle/>
           <a:p>
             <a:endParaRPr/>
           </a:p>
@@ -1040,7 +1192,8 @@
           </a:prstGeom>
         </p:spPr>
         <p:txBody>
-          <a:bodyPr lIns="0" rIns="0" tIns="0" bIns="0"/>
+          <a:bodyPr lIns="0" tIns="0" rIns="0" bIns="0"/>
+          <a:lstStyle/>
           <a:p>
             <a:endParaRPr/>
           </a:p>
@@ -1048,11 +1201,14 @@
       </p:sp>
     </p:spTree>
   </p:cSld>
+  <p:clrMapOvr>
+    <a:masterClrMapping/>
+  </p:clrMapOvr>
 </p:sldLayout>
 </file>
 
 <file path=ppt/slideLayouts/slideLayout9.xml><?xml version="1.0" encoding="utf-8"?>
-<p:sldLayout xmlns:a="http://schemas.openxmlformats.org/drawingml/2006/main" xmlns:p="http://schemas.openxmlformats.org/presentationml/2006/main" xmlns:r="http://schemas.openxmlformats.org/officeDocument/2006/relationships" type="twoObjOverTx" preserve="1">
+<p:sldLayout xmlns:a="http://schemas.openxmlformats.org/drawingml/2006/main" xmlns:r="http://schemas.openxmlformats.org/officeDocument/2006/relationships" xmlns:p="http://schemas.openxmlformats.org/presentationml/2006/main" type="twoObjOverTx" preserve="1">
   <p:cSld name="Title, 2 Content over Content">
     <p:spTree>
       <p:nvGrpSpPr>
@@ -1088,7 +1244,8 @@
           </a:prstGeom>
         </p:spPr>
         <p:txBody>
-          <a:bodyPr lIns="0" rIns="0" tIns="0" bIns="0" anchor="ctr"/>
+          <a:bodyPr lIns="0" tIns="0" rIns="0" bIns="0" anchor="ctr"/>
+          <a:lstStyle/>
           <a:p>
             <a:pPr algn="ctr"/>
             <a:endParaRPr/>
@@ -1115,7 +1272,8 @@
           </a:prstGeom>
         </p:spPr>
         <p:txBody>
-          <a:bodyPr lIns="0" rIns="0" tIns="0" bIns="0"/>
+          <a:bodyPr lIns="0" tIns="0" rIns="0" bIns="0"/>
+          <a:lstStyle/>
           <a:p>
             <a:endParaRPr/>
           </a:p>
@@ -1141,7 +1299,8 @@
           </a:prstGeom>
         </p:spPr>
         <p:txBody>
-          <a:bodyPr lIns="0" rIns="0" tIns="0" bIns="0"/>
+          <a:bodyPr lIns="0" tIns="0" rIns="0" bIns="0"/>
+          <a:lstStyle/>
           <a:p>
             <a:endParaRPr/>
           </a:p>
@@ -1167,7 +1326,8 @@
           </a:prstGeom>
         </p:spPr>
         <p:txBody>
-          <a:bodyPr lIns="0" rIns="0" tIns="0" bIns="0"/>
+          <a:bodyPr lIns="0" tIns="0" rIns="0" bIns="0"/>
+          <a:lstStyle/>
           <a:p>
             <a:endParaRPr/>
           </a:p>
@@ -1175,11 +1335,593 @@
       </p:sp>
     </p:spTree>
   </p:cSld>
+  <p:clrMapOvr>
+    <a:masterClrMapping/>
+  </p:clrMapOvr>
 </p:sldLayout>
 </file>
 
 <file path=ppt/slideMasters/slideMaster1.xml><?xml version="1.0" encoding="utf-8"?>
-<p:sldMaster xmlns:a="http://schemas.openxmlformats.org/drawingml/2006/main" xmlns:p="http://schemas.openxmlformats.org/presentationml/2006/main" xmlns:r="http://schemas.openxmlformats.org/officeDocument/2006/relationships">
+<p:sldMaster xmlns:a="http://schemas.openxmlformats.org/drawingml/2006/main" xmlns:r="http://schemas.openxmlformats.org/officeDocument/2006/relationships" xmlns:p="http://schemas.openxmlformats.org/presentationml/2006/main">
+  <p:cSld>
+    <p:bg>
+      <p:bgRef idx="1001">
+        <a:schemeClr val="bg1"/>
+      </p:bgRef>
+    </p:bg>
+    <p:spTree>
+      <p:nvGrpSpPr>
+        <p:cNvPr id="1" name=""/>
+        <p:cNvGrpSpPr/>
+        <p:nvPr/>
+      </p:nvGrpSpPr>
+      <p:grpSpPr>
+        <a:xfrm>
+          <a:off x="0" y="0"/>
+          <a:ext cx="0" cy="0"/>
+          <a:chOff x="0" y="0"/>
+          <a:chExt cx="0" cy="0"/>
+        </a:xfrm>
+      </p:grpSpPr>
+      <p:sp>
+        <p:nvSpPr>
+          <p:cNvPr id="5" name="PlaceHolder 1"/>
+          <p:cNvSpPr>
+            <a:spLocks noGrp="1"/>
+          </p:cNvSpPr>
+          <p:nvPr>
+            <p:ph type="title"/>
+          </p:nvPr>
+        </p:nvSpPr>
+        <p:spPr>
+          <a:xfrm>
+            <a:off x="504000" y="301320"/>
+            <a:ext cx="9071640" cy="1262160"/>
+          </a:xfrm>
+          <a:prstGeom prst="rect">
+            <a:avLst/>
+          </a:prstGeom>
+        </p:spPr>
+        <p:txBody>
+          <a:bodyPr lIns="0" tIns="0" rIns="0" bIns="0" anchor="ctr"/>
+          <a:lstStyle/>
+          <a:p>
+            <a:pPr algn="ctr"/>
+            <a:r>
+              <a:rPr lang="fr-FR" sz="4400">
+                <a:latin typeface="Arial"/>
+              </a:rPr>
+              <a:t>Click to edit the title text format</a:t>
+            </a:r>
+            <a:endParaRPr/>
+          </a:p>
+        </p:txBody>
+      </p:sp>
+      <p:sp>
+        <p:nvSpPr>
+          <p:cNvPr id="6" name="PlaceHolder 2"/>
+          <p:cNvSpPr>
+            <a:spLocks noGrp="1"/>
+          </p:cNvSpPr>
+          <p:nvPr>
+            <p:ph type="body"/>
+          </p:nvPr>
+        </p:nvSpPr>
+        <p:spPr>
+          <a:xfrm>
+            <a:off x="504000" y="1769040"/>
+            <a:ext cx="9071640" cy="4384440"/>
+          </a:xfrm>
+          <a:prstGeom prst="rect">
+            <a:avLst/>
+          </a:prstGeom>
+        </p:spPr>
+        <p:txBody>
+          <a:bodyPr lIns="0" tIns="0" rIns="0" bIns="0"/>
+          <a:lstStyle/>
+          <a:p>
+            <a:pPr>
+              <a:buSzPct val="45000"/>
+              <a:buFont typeface="StarSymbol"/>
+              <a:buChar char=""/>
+            </a:pPr>
+            <a:r>
+              <a:rPr lang="fr-FR" sz="3200">
+                <a:latin typeface="Arial"/>
+              </a:rPr>
+              <a:t>Click to edit the outline text format</a:t>
+            </a:r>
+            <a:endParaRPr/>
+          </a:p>
+          <a:p>
+            <a:pPr lvl="1">
+              <a:buSzPct val="75000"/>
+              <a:buFont typeface="StarSymbol"/>
+              <a:buChar char=""/>
+            </a:pPr>
+            <a:r>
+              <a:rPr lang="fr-FR" sz="2800">
+                <a:latin typeface="Arial"/>
+              </a:rPr>
+              <a:t>Second Outline Level</a:t>
+            </a:r>
+            <a:endParaRPr/>
+          </a:p>
+          <a:p>
+            <a:pPr lvl="2">
+              <a:buSzPct val="45000"/>
+              <a:buFont typeface="StarSymbol"/>
+              <a:buChar char=""/>
+            </a:pPr>
+            <a:r>
+              <a:rPr lang="fr-FR" sz="2400">
+                <a:latin typeface="Arial"/>
+              </a:rPr>
+              <a:t>Third Outline Level</a:t>
+            </a:r>
+            <a:endParaRPr/>
+          </a:p>
+          <a:p>
+            <a:pPr lvl="3">
+              <a:buSzPct val="75000"/>
+              <a:buFont typeface="StarSymbol"/>
+              <a:buChar char=""/>
+            </a:pPr>
+            <a:r>
+              <a:rPr lang="fr-FR" sz="2000">
+                <a:latin typeface="Arial"/>
+              </a:rPr>
+              <a:t>Fourth Outline Level</a:t>
+            </a:r>
+            <a:endParaRPr/>
+          </a:p>
+          <a:p>
+            <a:pPr lvl="4">
+              <a:buSzPct val="45000"/>
+              <a:buFont typeface="StarSymbol"/>
+              <a:buChar char=""/>
+            </a:pPr>
+            <a:r>
+              <a:rPr lang="fr-FR" sz="2000">
+                <a:latin typeface="Arial"/>
+              </a:rPr>
+              <a:t>Fifth Outline Level</a:t>
+            </a:r>
+            <a:endParaRPr/>
+          </a:p>
+          <a:p>
+            <a:pPr lvl="5">
+              <a:buSzPct val="45000"/>
+              <a:buFont typeface="StarSymbol"/>
+              <a:buChar char=""/>
+            </a:pPr>
+            <a:r>
+              <a:rPr lang="fr-FR" sz="2000">
+                <a:latin typeface="Arial"/>
+              </a:rPr>
+              <a:t>Sixth Outline Level</a:t>
+            </a:r>
+            <a:endParaRPr/>
+          </a:p>
+          <a:p>
+            <a:pPr lvl="6">
+              <a:buSzPct val="45000"/>
+              <a:buFont typeface="StarSymbol"/>
+              <a:buChar char=""/>
+            </a:pPr>
+            <a:r>
+              <a:rPr lang="fr-FR" sz="2000">
+                <a:latin typeface="Arial"/>
+              </a:rPr>
+              <a:t>Seventh Outline Level</a:t>
+            </a:r>
+            <a:endParaRPr/>
+          </a:p>
+        </p:txBody>
+      </p:sp>
+      <p:sp>
+        <p:nvSpPr>
+          <p:cNvPr id="2" name="PlaceHolder 3"/>
+          <p:cNvSpPr>
+            <a:spLocks noGrp="1"/>
+          </p:cNvSpPr>
+          <p:nvPr>
+            <p:ph type="dt"/>
+          </p:nvPr>
+        </p:nvSpPr>
+        <p:spPr>
+          <a:xfrm>
+            <a:off x="504000" y="6887160"/>
+            <a:ext cx="2348280" cy="521280"/>
+          </a:xfrm>
+          <a:prstGeom prst="rect">
+            <a:avLst/>
+          </a:prstGeom>
+        </p:spPr>
+        <p:txBody>
+          <a:bodyPr lIns="0" tIns="0" rIns="0" bIns="0"/>
+          <a:lstStyle/>
+          <a:p>
+            <a:r>
+              <a:rPr lang="fr-FR" sz="1400">
+                <a:latin typeface="Times New Roman"/>
+              </a:rPr>
+              <a:t>&lt;date/time&gt;</a:t>
+            </a:r>
+            <a:endParaRPr/>
+          </a:p>
+        </p:txBody>
+      </p:sp>
+      <p:sp>
+        <p:nvSpPr>
+          <p:cNvPr id="3" name="PlaceHolder 4"/>
+          <p:cNvSpPr>
+            <a:spLocks noGrp="1"/>
+          </p:cNvSpPr>
+          <p:nvPr>
+            <p:ph type="ftr"/>
+          </p:nvPr>
+        </p:nvSpPr>
+        <p:spPr>
+          <a:xfrm>
+            <a:off x="3447360" y="6887160"/>
+            <a:ext cx="3195000" cy="521280"/>
+          </a:xfrm>
+          <a:prstGeom prst="rect">
+            <a:avLst/>
+          </a:prstGeom>
+        </p:spPr>
+        <p:txBody>
+          <a:bodyPr lIns="0" tIns="0" rIns="0" bIns="0"/>
+          <a:lstStyle/>
+          <a:p>
+            <a:pPr algn="ctr"/>
+            <a:r>
+              <a:rPr lang="fr-FR" sz="1400">
+                <a:latin typeface="Times New Roman"/>
+              </a:rPr>
+              <a:t>&lt;footer&gt;</a:t>
+            </a:r>
+            <a:endParaRPr/>
+          </a:p>
+        </p:txBody>
+      </p:sp>
+      <p:sp>
+        <p:nvSpPr>
+          <p:cNvPr id="4" name="PlaceHolder 5"/>
+          <p:cNvSpPr>
+            <a:spLocks noGrp="1"/>
+          </p:cNvSpPr>
+          <p:nvPr>
+            <p:ph type="sldNum"/>
+          </p:nvPr>
+        </p:nvSpPr>
+        <p:spPr>
+          <a:xfrm>
+            <a:off x="7227360" y="6887160"/>
+            <a:ext cx="2348280" cy="521280"/>
+          </a:xfrm>
+          <a:prstGeom prst="rect">
+            <a:avLst/>
+          </a:prstGeom>
+        </p:spPr>
+        <p:txBody>
+          <a:bodyPr lIns="0" tIns="0" rIns="0" bIns="0"/>
+          <a:lstStyle/>
+          <a:p>
+            <a:pPr algn="r"/>
+            <a:fld id="{B7993C71-8606-4FCE-AA34-DE6A3DC8BBAE}" type="slidenum">
+              <a:rPr lang="fr-FR" sz="1400">
+                <a:latin typeface="Times New Roman"/>
+              </a:rPr>
+              <a:t>‹#›</a:t>
+            </a:fld>
+            <a:endParaRPr/>
+          </a:p>
+        </p:txBody>
+      </p:sp>
+    </p:spTree>
+  </p:cSld>
+  <p:clrMap bg1="lt1" tx1="dk1" bg2="lt2" tx2="dk2" accent1="accent1" accent2="accent2" accent3="accent3" accent4="accent4" accent5="accent5" accent6="accent6" hlink="hlink" folHlink="folHlink"/>
+  <p:sldLayoutIdLst>
+    <p:sldLayoutId id="2147483649" r:id="rId1"/>
+    <p:sldLayoutId id="2147483650" r:id="rId2"/>
+    <p:sldLayoutId id="2147483651" r:id="rId3"/>
+    <p:sldLayoutId id="2147483652" r:id="rId4"/>
+    <p:sldLayoutId id="2147483653" r:id="rId5"/>
+    <p:sldLayoutId id="2147483654" r:id="rId6"/>
+    <p:sldLayoutId id="2147483655" r:id="rId7"/>
+    <p:sldLayoutId id="2147483656" r:id="rId8"/>
+    <p:sldLayoutId id="2147483657" r:id="rId9"/>
+    <p:sldLayoutId id="2147483658" r:id="rId10"/>
+    <p:sldLayoutId id="2147483659" r:id="rId11"/>
+    <p:sldLayoutId id="2147483660" r:id="rId12"/>
+  </p:sldLayoutIdLst>
+  <p:txStyles>
+    <p:titleStyle>
+      <a:lvl1pPr algn="l" defTabSz="914400" rtl="0" eaLnBrk="1" latinLnBrk="0" hangingPunct="1">
+        <a:lnSpc>
+          <a:spcPct val="90000"/>
+        </a:lnSpc>
+        <a:spcBef>
+          <a:spcPct val="0"/>
+        </a:spcBef>
+        <a:buNone/>
+        <a:defRPr sz="4400" kern="1200">
+          <a:solidFill>
+            <a:schemeClr val="tx1"/>
+          </a:solidFill>
+          <a:latin typeface="+mj-lt"/>
+          <a:ea typeface="+mj-ea"/>
+          <a:cs typeface="+mj-cs"/>
+        </a:defRPr>
+      </a:lvl1pPr>
+    </p:titleStyle>
+    <p:bodyStyle>
+      <a:lvl1pPr marL="228600" indent="-228600" algn="l" defTabSz="914400" rtl="0" eaLnBrk="1" latinLnBrk="0" hangingPunct="1">
+        <a:lnSpc>
+          <a:spcPct val="90000"/>
+        </a:lnSpc>
+        <a:spcBef>
+          <a:spcPts val="1000"/>
+        </a:spcBef>
+        <a:buFont typeface="Arial" panose="020B0604020202020204" pitchFamily="34" charset="0"/>
+        <a:buChar char="•"/>
+        <a:defRPr sz="2800" kern="1200">
+          <a:solidFill>
+            <a:schemeClr val="tx1"/>
+          </a:solidFill>
+          <a:latin typeface="+mn-lt"/>
+          <a:ea typeface="+mn-ea"/>
+          <a:cs typeface="+mn-cs"/>
+        </a:defRPr>
+      </a:lvl1pPr>
+      <a:lvl2pPr marL="685800" indent="-228600" algn="l" defTabSz="914400" rtl="0" eaLnBrk="1" latinLnBrk="0" hangingPunct="1">
+        <a:lnSpc>
+          <a:spcPct val="90000"/>
+        </a:lnSpc>
+        <a:spcBef>
+          <a:spcPts val="500"/>
+        </a:spcBef>
+        <a:buFont typeface="Arial" panose="020B0604020202020204" pitchFamily="34" charset="0"/>
+        <a:buChar char="•"/>
+        <a:defRPr sz="2400" kern="1200">
+          <a:solidFill>
+            <a:schemeClr val="tx1"/>
+          </a:solidFill>
+          <a:latin typeface="+mn-lt"/>
+          <a:ea typeface="+mn-ea"/>
+          <a:cs typeface="+mn-cs"/>
+        </a:defRPr>
+      </a:lvl2pPr>
+      <a:lvl3pPr marL="1143000" indent="-228600" algn="l" defTabSz="914400" rtl="0" eaLnBrk="1" latinLnBrk="0" hangingPunct="1">
+        <a:lnSpc>
+          <a:spcPct val="90000"/>
+        </a:lnSpc>
+        <a:spcBef>
+          <a:spcPts val="500"/>
+        </a:spcBef>
+        <a:buFont typeface="Arial" panose="020B0604020202020204" pitchFamily="34" charset="0"/>
+        <a:buChar char="•"/>
+        <a:defRPr sz="2000" kern="1200">
+          <a:solidFill>
+            <a:schemeClr val="tx1"/>
+          </a:solidFill>
+          <a:latin typeface="+mn-lt"/>
+          <a:ea typeface="+mn-ea"/>
+          <a:cs typeface="+mn-cs"/>
+        </a:defRPr>
+      </a:lvl3pPr>
+      <a:lvl4pPr marL="1600200" indent="-228600" algn="l" defTabSz="914400" rtl="0" eaLnBrk="1" latinLnBrk="0" hangingPunct="1">
+        <a:lnSpc>
+          <a:spcPct val="90000"/>
+        </a:lnSpc>
+        <a:spcBef>
+          <a:spcPts val="500"/>
+        </a:spcBef>
+        <a:buFont typeface="Arial" panose="020B0604020202020204" pitchFamily="34" charset="0"/>
+        <a:buChar char="•"/>
+        <a:defRPr sz="1800" kern="1200">
+          <a:solidFill>
+            <a:schemeClr val="tx1"/>
+          </a:solidFill>
+          <a:latin typeface="+mn-lt"/>
+          <a:ea typeface="+mn-ea"/>
+          <a:cs typeface="+mn-cs"/>
+        </a:defRPr>
+      </a:lvl4pPr>
+      <a:lvl5pPr marL="2057400" indent="-228600" algn="l" defTabSz="914400" rtl="0" eaLnBrk="1" latinLnBrk="0" hangingPunct="1">
+        <a:lnSpc>
+          <a:spcPct val="90000"/>
+        </a:lnSpc>
+        <a:spcBef>
+          <a:spcPts val="500"/>
+        </a:spcBef>
+        <a:buFont typeface="Arial" panose="020B0604020202020204" pitchFamily="34" charset="0"/>
+        <a:buChar char="•"/>
+        <a:defRPr sz="1800" kern="1200">
+          <a:solidFill>
+            <a:schemeClr val="tx1"/>
+          </a:solidFill>
+          <a:latin typeface="+mn-lt"/>
+          <a:ea typeface="+mn-ea"/>
+          <a:cs typeface="+mn-cs"/>
+        </a:defRPr>
+      </a:lvl5pPr>
+      <a:lvl6pPr marL="2514600" indent="-228600" algn="l" defTabSz="914400" rtl="0" eaLnBrk="1" latinLnBrk="0" hangingPunct="1">
+        <a:lnSpc>
+          <a:spcPct val="90000"/>
+        </a:lnSpc>
+        <a:spcBef>
+          <a:spcPts val="500"/>
+        </a:spcBef>
+        <a:buFont typeface="Arial" panose="020B0604020202020204" pitchFamily="34" charset="0"/>
+        <a:buChar char="•"/>
+        <a:defRPr sz="1800" kern="1200">
+          <a:solidFill>
+            <a:schemeClr val="tx1"/>
+          </a:solidFill>
+          <a:latin typeface="+mn-lt"/>
+          <a:ea typeface="+mn-ea"/>
+          <a:cs typeface="+mn-cs"/>
+        </a:defRPr>
+      </a:lvl6pPr>
+      <a:lvl7pPr marL="2971800" indent="-228600" algn="l" defTabSz="914400" rtl="0" eaLnBrk="1" latinLnBrk="0" hangingPunct="1">
+        <a:lnSpc>
+          <a:spcPct val="90000"/>
+        </a:lnSpc>
+        <a:spcBef>
+          <a:spcPts val="500"/>
+        </a:spcBef>
+        <a:buFont typeface="Arial" panose="020B0604020202020204" pitchFamily="34" charset="0"/>
+        <a:buChar char="•"/>
+        <a:defRPr sz="1800" kern="1200">
+          <a:solidFill>
+            <a:schemeClr val="tx1"/>
+          </a:solidFill>
+          <a:latin typeface="+mn-lt"/>
+          <a:ea typeface="+mn-ea"/>
+          <a:cs typeface="+mn-cs"/>
+        </a:defRPr>
+      </a:lvl7pPr>
+      <a:lvl8pPr marL="3429000" indent="-228600" algn="l" defTabSz="914400" rtl="0" eaLnBrk="1" latinLnBrk="0" hangingPunct="1">
+        <a:lnSpc>
+          <a:spcPct val="90000"/>
+        </a:lnSpc>
+        <a:spcBef>
+          <a:spcPts val="500"/>
+        </a:spcBef>
+        <a:buFont typeface="Arial" panose="020B0604020202020204" pitchFamily="34" charset="0"/>
+        <a:buChar char="•"/>
+        <a:defRPr sz="1800" kern="1200">
+          <a:solidFill>
+            <a:schemeClr val="tx1"/>
+          </a:solidFill>
+          <a:latin typeface="+mn-lt"/>
+          <a:ea typeface="+mn-ea"/>
+          <a:cs typeface="+mn-cs"/>
+        </a:defRPr>
+      </a:lvl8pPr>
+      <a:lvl9pPr marL="3886200" indent="-228600" algn="l" defTabSz="914400" rtl="0" eaLnBrk="1" latinLnBrk="0" hangingPunct="1">
+        <a:lnSpc>
+          <a:spcPct val="90000"/>
+        </a:lnSpc>
+        <a:spcBef>
+          <a:spcPts val="500"/>
+        </a:spcBef>
+        <a:buFont typeface="Arial" panose="020B0604020202020204" pitchFamily="34" charset="0"/>
+        <a:buChar char="•"/>
+        <a:defRPr sz="1800" kern="1200">
+          <a:solidFill>
+            <a:schemeClr val="tx1"/>
+          </a:solidFill>
+          <a:latin typeface="+mn-lt"/>
+          <a:ea typeface="+mn-ea"/>
+          <a:cs typeface="+mn-cs"/>
+        </a:defRPr>
+      </a:lvl9pPr>
+    </p:bodyStyle>
+    <p:otherStyle>
+      <a:defPPr>
+        <a:defRPr lang="fr-FR"/>
+      </a:defPPr>
+      <a:lvl1pPr marL="0" algn="l" defTabSz="914400" rtl="0" eaLnBrk="1" latinLnBrk="0" hangingPunct="1">
+        <a:defRPr sz="1800" kern="1200">
+          <a:solidFill>
+            <a:schemeClr val="tx1"/>
+          </a:solidFill>
+          <a:latin typeface="+mn-lt"/>
+          <a:ea typeface="+mn-ea"/>
+          <a:cs typeface="+mn-cs"/>
+        </a:defRPr>
+      </a:lvl1pPr>
+      <a:lvl2pPr marL="457200" algn="l" defTabSz="914400" rtl="0" eaLnBrk="1" latinLnBrk="0" hangingPunct="1">
+        <a:defRPr sz="1800" kern="1200">
+          <a:solidFill>
+            <a:schemeClr val="tx1"/>
+          </a:solidFill>
+          <a:latin typeface="+mn-lt"/>
+          <a:ea typeface="+mn-ea"/>
+          <a:cs typeface="+mn-cs"/>
+        </a:defRPr>
+      </a:lvl2pPr>
+      <a:lvl3pPr marL="914400" algn="l" defTabSz="914400" rtl="0" eaLnBrk="1" latinLnBrk="0" hangingPunct="1">
+        <a:defRPr sz="1800" kern="1200">
+          <a:solidFill>
+            <a:schemeClr val="tx1"/>
+          </a:solidFill>
+          <a:latin typeface="+mn-lt"/>
+          <a:ea typeface="+mn-ea"/>
+          <a:cs typeface="+mn-cs"/>
+        </a:defRPr>
+      </a:lvl3pPr>
+      <a:lvl4pPr marL="1371600" algn="l" defTabSz="914400" rtl="0" eaLnBrk="1" latinLnBrk="0" hangingPunct="1">
+        <a:defRPr sz="1800" kern="1200">
+          <a:solidFill>
+            <a:schemeClr val="tx1"/>
+          </a:solidFill>
+          <a:latin typeface="+mn-lt"/>
+          <a:ea typeface="+mn-ea"/>
+          <a:cs typeface="+mn-cs"/>
+        </a:defRPr>
+      </a:lvl4pPr>
+      <a:lvl5pPr marL="1828800" algn="l" defTabSz="914400" rtl="0" eaLnBrk="1" latinLnBrk="0" hangingPunct="1">
+        <a:defRPr sz="1800" kern="1200">
+          <a:solidFill>
+            <a:schemeClr val="tx1"/>
+          </a:solidFill>
+          <a:latin typeface="+mn-lt"/>
+          <a:ea typeface="+mn-ea"/>
+          <a:cs typeface="+mn-cs"/>
+        </a:defRPr>
+      </a:lvl5pPr>
+      <a:lvl6pPr marL="2286000" algn="l" defTabSz="914400" rtl="0" eaLnBrk="1" latinLnBrk="0" hangingPunct="1">
+        <a:defRPr sz="1800" kern="1200">
+          <a:solidFill>
+            <a:schemeClr val="tx1"/>
+          </a:solidFill>
+          <a:latin typeface="+mn-lt"/>
+          <a:ea typeface="+mn-ea"/>
+          <a:cs typeface="+mn-cs"/>
+        </a:defRPr>
+      </a:lvl6pPr>
+      <a:lvl7pPr marL="2743200" algn="l" defTabSz="914400" rtl="0" eaLnBrk="1" latinLnBrk="0" hangingPunct="1">
+        <a:defRPr sz="1800" kern="1200">
+          <a:solidFill>
+            <a:schemeClr val="tx1"/>
+          </a:solidFill>
+          <a:latin typeface="+mn-lt"/>
+          <a:ea typeface="+mn-ea"/>
+          <a:cs typeface="+mn-cs"/>
+        </a:defRPr>
+      </a:lvl7pPr>
+      <a:lvl8pPr marL="3200400" algn="l" defTabSz="914400" rtl="0" eaLnBrk="1" latinLnBrk="0" hangingPunct="1">
+        <a:defRPr sz="1800" kern="1200">
+          <a:solidFill>
+            <a:schemeClr val="tx1"/>
+          </a:solidFill>
+          <a:latin typeface="+mn-lt"/>
+          <a:ea typeface="+mn-ea"/>
+          <a:cs typeface="+mn-cs"/>
+        </a:defRPr>
+      </a:lvl8pPr>
+      <a:lvl9pPr marL="3657600" algn="l" defTabSz="914400" rtl="0" eaLnBrk="1" latinLnBrk="0" hangingPunct="1">
+        <a:defRPr sz="1800" kern="1200">
+          <a:solidFill>
+            <a:schemeClr val="tx1"/>
+          </a:solidFill>
+          <a:latin typeface="+mn-lt"/>
+          <a:ea typeface="+mn-ea"/>
+          <a:cs typeface="+mn-cs"/>
+        </a:defRPr>
+      </a:lvl9pPr>
+    </p:otherStyle>
+  </p:txStyles>
+</p:sldMaster>
+</file>
+
+<file path=ppt/slides/slide1.xml><?xml version="1.0" encoding="utf-8"?>
+<p:sld xmlns:a="http://schemas.openxmlformats.org/drawingml/2006/main" xmlns:r="http://schemas.openxmlformats.org/officeDocument/2006/relationships" xmlns:p="http://schemas.openxmlformats.org/presentationml/2006/main">
   <p:cSld>
     <p:spTree>
       <p:nvGrpSpPr>
@@ -1197,13 +1939,9 @@
       </p:grpSpPr>
       <p:sp>
         <p:nvSpPr>
-          <p:cNvPr id="0" name="PlaceHolder 1"/>
-          <p:cNvSpPr>
-            <a:spLocks noGrp="1"/>
-          </p:cNvSpPr>
-          <p:nvPr>
-            <p:ph type="title"/>
-          </p:nvPr>
+          <p:cNvPr id="39" name="TextShape 1"/>
+          <p:cNvSpPr txBox="1"/>
+          <p:nvPr/>
         </p:nvSpPr>
         <p:spPr>
           <a:xfrm>
@@ -1215,260 +1953,146 @@
           </a:prstGeom>
         </p:spPr>
         <p:txBody>
-          <a:bodyPr lIns="0" rIns="0" tIns="0" bIns="0" anchor="ctr"/>
+          <a:bodyPr lIns="0" tIns="0" rIns="0" bIns="0" anchor="ctr"/>
+          <a:lstStyle/>
           <a:p>
             <a:pPr algn="ctr"/>
             <a:r>
-              <a:rPr lang="fr-FR" sz="4400">
-                <a:latin typeface="Arial"/>
-              </a:rPr>
-              <a:t>Click to edit the title text format</a:t>
-            </a:r>
-            <a:endParaRPr/>
-          </a:p>
-        </p:txBody>
-      </p:sp>
-      <p:sp>
-        <p:nvSpPr>
-          <p:cNvPr id="1" name="PlaceHolder 2"/>
-          <p:cNvSpPr>
-            <a:spLocks noGrp="1"/>
-          </p:cNvSpPr>
-          <p:nvPr>
-            <p:ph type="body"/>
-          </p:nvPr>
-        </p:nvSpPr>
-        <p:spPr>
-          <a:xfrm>
-            <a:off x="504000" y="1769040"/>
-            <a:ext cx="9071640" cy="4384440"/>
-          </a:xfrm>
-          <a:prstGeom prst="rect">
-            <a:avLst/>
-          </a:prstGeom>
-        </p:spPr>
-        <p:txBody>
-          <a:bodyPr lIns="0" rIns="0" tIns="0" bIns="0"/>
-          <a:p>
-            <a:pPr>
-              <a:buSzPct val="45000"/>
-              <a:buFont typeface="StarSymbol"/>
-              <a:buChar char=""/>
-            </a:pPr>
-            <a:r>
-              <a:rPr lang="fr-FR" sz="3200">
-                <a:latin typeface="Arial"/>
-              </a:rPr>
-              <a:t>Click to edit the outline text format</a:t>
-            </a:r>
-            <a:endParaRPr/>
-          </a:p>
-          <a:p>
-            <a:pPr lvl="1">
-              <a:buSzPct val="75000"/>
-              <a:buFont typeface="StarSymbol"/>
-              <a:buChar char=""/>
-            </a:pPr>
-            <a:r>
-              <a:rPr lang="fr-FR" sz="2800">
-                <a:latin typeface="Arial"/>
-              </a:rPr>
-              <a:t>Second Outline Level</a:t>
-            </a:r>
-            <a:endParaRPr/>
-          </a:p>
-          <a:p>
-            <a:pPr lvl="2">
-              <a:buSzPct val="45000"/>
-              <a:buFont typeface="StarSymbol"/>
-              <a:buChar char=""/>
-            </a:pPr>
-            <a:r>
-              <a:rPr lang="fr-FR" sz="2400">
-                <a:latin typeface="Arial"/>
-              </a:rPr>
-              <a:t>Third Outline Level</a:t>
-            </a:r>
-            <a:endParaRPr/>
-          </a:p>
-          <a:p>
-            <a:pPr lvl="3">
-              <a:buSzPct val="75000"/>
-              <a:buFont typeface="StarSymbol"/>
-              <a:buChar char=""/>
-            </a:pPr>
-            <a:r>
-              <a:rPr lang="fr-FR" sz="2000">
-                <a:latin typeface="Arial"/>
-              </a:rPr>
-              <a:t>Fourth Outline Level</a:t>
-            </a:r>
-            <a:endParaRPr/>
-          </a:p>
-          <a:p>
-            <a:pPr lvl="4">
-              <a:buSzPct val="45000"/>
-              <a:buFont typeface="StarSymbol"/>
-              <a:buChar char=""/>
-            </a:pPr>
-            <a:r>
-              <a:rPr lang="fr-FR" sz="2000">
-                <a:latin typeface="Arial"/>
-              </a:rPr>
-              <a:t>Fifth Outline Level</a:t>
-            </a:r>
-            <a:endParaRPr/>
-          </a:p>
-          <a:p>
-            <a:pPr lvl="5">
-              <a:buSzPct val="45000"/>
-              <a:buFont typeface="StarSymbol"/>
-              <a:buChar char=""/>
-            </a:pPr>
-            <a:r>
-              <a:rPr lang="fr-FR" sz="2000">
-                <a:latin typeface="Arial"/>
-              </a:rPr>
-              <a:t>Sixth Outline Level</a:t>
-            </a:r>
-            <a:endParaRPr/>
-          </a:p>
-          <a:p>
-            <a:pPr lvl="6">
-              <a:buSzPct val="45000"/>
-              <a:buFont typeface="StarSymbol"/>
-              <a:buChar char=""/>
-            </a:pPr>
-            <a:r>
-              <a:rPr lang="fr-FR" sz="2000">
-                <a:latin typeface="Arial"/>
-              </a:rPr>
-              <a:t>Seventh Outline Level</a:t>
-            </a:r>
-            <a:endParaRPr/>
-          </a:p>
-        </p:txBody>
-      </p:sp>
-      <p:sp>
-        <p:nvSpPr>
-          <p:cNvPr id="2" name="PlaceHolder 3"/>
-          <p:cNvSpPr>
-            <a:spLocks noGrp="1"/>
-          </p:cNvSpPr>
-          <p:nvPr>
-            <p:ph type="dt"/>
-          </p:nvPr>
-        </p:nvSpPr>
-        <p:spPr>
-          <a:xfrm>
-            <a:off x="504000" y="6887160"/>
-            <a:ext cx="2348280" cy="521280"/>
-          </a:xfrm>
-          <a:prstGeom prst="rect">
-            <a:avLst/>
-          </a:prstGeom>
-        </p:spPr>
-        <p:txBody>
-          <a:bodyPr lIns="0" rIns="0" tIns="0" bIns="0"/>
-          <a:p>
-            <a:r>
-              <a:rPr lang="fr-FR" sz="1400">
-                <a:latin typeface="Times New Roman"/>
-              </a:rPr>
-              <a:t>&lt;date/time&gt;</a:t>
-            </a:r>
-            <a:endParaRPr/>
-          </a:p>
-        </p:txBody>
-      </p:sp>
-      <p:sp>
-        <p:nvSpPr>
-          <p:cNvPr id="3" name="PlaceHolder 4"/>
-          <p:cNvSpPr>
-            <a:spLocks noGrp="1"/>
-          </p:cNvSpPr>
-          <p:nvPr>
-            <p:ph type="ftr"/>
-          </p:nvPr>
-        </p:nvSpPr>
-        <p:spPr>
-          <a:xfrm>
-            <a:off x="3447360" y="6887160"/>
-            <a:ext cx="3195000" cy="521280"/>
-          </a:xfrm>
-          <a:prstGeom prst="rect">
-            <a:avLst/>
-          </a:prstGeom>
-        </p:spPr>
-        <p:txBody>
-          <a:bodyPr lIns="0" rIns="0" tIns="0" bIns="0"/>
+              <a:rPr lang="fr-FR" sz="4400" u="sng" dirty="0">
+                <a:latin typeface="Arial"/>
+              </a:rPr>
+              <a:t>The </a:t>
+            </a:r>
+            <a:r>
+              <a:rPr lang="fr-FR" sz="4400" u="sng" smtClean="0">
+                <a:latin typeface="Arial"/>
+              </a:rPr>
+              <a:t>Midnighdt</a:t>
+            </a:r>
+            <a:r>
+              <a:rPr lang="fr-FR" sz="4400" u="sng" dirty="0" smtClean="0">
+                <a:latin typeface="Arial"/>
+              </a:rPr>
+              <a:t> </a:t>
+            </a:r>
+            <a:r>
+              <a:rPr lang="fr-FR" sz="4400" u="sng" dirty="0">
+                <a:latin typeface="Arial"/>
+              </a:rPr>
+              <a:t>Team</a:t>
+            </a:r>
+            <a:endParaRPr dirty="0"/>
+          </a:p>
+        </p:txBody>
+      </p:sp>
+      <p:sp>
+        <p:nvSpPr>
+          <p:cNvPr id="40" name="TextShape 2"/>
+          <p:cNvSpPr txBox="1"/>
+          <p:nvPr/>
+        </p:nvSpPr>
+        <p:spPr>
+          <a:xfrm>
+            <a:off x="504000" y="1682280"/>
+            <a:ext cx="9071640" cy="4557960"/>
+          </a:xfrm>
+          <a:prstGeom prst="rect">
+            <a:avLst/>
+          </a:prstGeom>
+        </p:spPr>
+        <p:txBody>
+          <a:bodyPr lIns="0" tIns="0" rIns="0" bIns="0" anchor="ctr"/>
+          <a:lstStyle/>
           <a:p>
             <a:pPr algn="ctr"/>
             <a:r>
-              <a:rPr lang="fr-FR" sz="1400">
-                <a:latin typeface="Times New Roman"/>
-              </a:rPr>
-              <a:t>&lt;footer&gt;</a:t>
-            </a:r>
-            <a:endParaRPr/>
-          </a:p>
-        </p:txBody>
-      </p:sp>
-      <p:sp>
-        <p:nvSpPr>
-          <p:cNvPr id="4" name="PlaceHolder 5"/>
-          <p:cNvSpPr>
-            <a:spLocks noGrp="1"/>
-          </p:cNvSpPr>
-          <p:nvPr>
-            <p:ph type="sldNum"/>
-          </p:nvPr>
-        </p:nvSpPr>
-        <p:spPr>
-          <a:xfrm>
-            <a:off x="7227360" y="6887160"/>
-            <a:ext cx="2348280" cy="521280"/>
-          </a:xfrm>
-          <a:prstGeom prst="rect">
-            <a:avLst/>
-          </a:prstGeom>
-        </p:spPr>
-        <p:txBody>
-          <a:bodyPr lIns="0" rIns="0" tIns="0" bIns="0"/>
-          <a:p>
-            <a:pPr algn="r"/>
-            <a:fld id="{B7993C71-8606-4FCE-AA34-DE6A3DC8BBAE}" type="slidenum">
-              <a:rPr lang="fr-FR" sz="1400">
-                <a:latin typeface="Times New Roman"/>
-              </a:rPr>
-              <a:t>&lt;number&gt;</a:t>
-            </a:fld>
+              <a:rPr lang="fr-FR" sz="3200">
+                <a:latin typeface="Arial"/>
+              </a:rPr>
+              <a:t>IBM Watson – École Polytechnique</a:t>
+            </a:r>
+            <a:endParaRPr/>
+          </a:p>
+          <a:p>
+            <a:pPr algn="ctr"/>
+            <a:endParaRPr/>
+          </a:p>
+          <a:p>
+            <a:pPr algn="ctr"/>
+            <a:r>
+              <a:rPr lang="fr-FR" sz="3200">
+                <a:latin typeface="Arial"/>
+              </a:rPr>
+              <a:t>Construction of a recommendation system for books based on a graph database</a:t>
+            </a:r>
+            <a:endParaRPr/>
+          </a:p>
+          <a:p>
+            <a:pPr algn="ctr"/>
+            <a:r>
+              <a:rPr lang="fr-FR" sz="3200">
+                <a:latin typeface="Arial"/>
+              </a:rPr>
+              <a:t>Mario Ynocente Castro</a:t>
+            </a:r>
+            <a:endParaRPr/>
+          </a:p>
+          <a:p>
+            <a:pPr algn="ctr"/>
+            <a:r>
+              <a:rPr lang="fr-FR" sz="3200">
+                <a:latin typeface="Arial"/>
+              </a:rPr>
+              <a:t>Ana-Maria Cretu</a:t>
+            </a:r>
+            <a:endParaRPr/>
+          </a:p>
+          <a:p>
+            <a:pPr algn="ctr"/>
+            <a:r>
+              <a:rPr lang="fr-FR" sz="3200">
+                <a:latin typeface="Arial"/>
+              </a:rPr>
+              <a:t>Jingtao Han</a:t>
+            </a:r>
+            <a:endParaRPr/>
+          </a:p>
+          <a:p>
+            <a:pPr algn="ctr"/>
+            <a:r>
+              <a:rPr lang="fr-FR" sz="3200">
+                <a:latin typeface="Arial"/>
+              </a:rPr>
+              <a:t>Jianyang Pan</a:t>
+            </a:r>
+            <a:endParaRPr/>
+          </a:p>
+          <a:p>
+            <a:pPr algn="ctr"/>
+            <a:r>
+              <a:rPr lang="fr-FR" sz="3200">
+                <a:latin typeface="Arial"/>
+              </a:rPr>
+              <a:t>Baoyang Song</a:t>
+            </a:r>
+            <a:endParaRPr/>
+          </a:p>
+          <a:p>
+            <a:pPr algn="ctr"/>
             <a:endParaRPr/>
           </a:p>
         </p:txBody>
       </p:sp>
     </p:spTree>
   </p:cSld>
-  <p:clrMap bg1="lt1" bg2="lt2" tx1="dk1" tx2="dk2" accent1="accent1" accent2="accent2" accent3="accent3" accent4="accent4" accent5="accent5" accent6="accent6" hlink="hlink" folHlink="folHlink"/>
-  <p:sldLayoutIdLst>
-    <p:sldLayoutId id="2147483649" r:id="rId2"/>
-    <p:sldLayoutId id="2147483650" r:id="rId3"/>
-    <p:sldLayoutId id="2147483651" r:id="rId4"/>
-    <p:sldLayoutId id="2147483652" r:id="rId5"/>
-    <p:sldLayoutId id="2147483653" r:id="rId6"/>
-    <p:sldLayoutId id="2147483654" r:id="rId7"/>
-    <p:sldLayoutId id="2147483655" r:id="rId8"/>
-    <p:sldLayoutId id="2147483656" r:id="rId9"/>
-    <p:sldLayoutId id="2147483657" r:id="rId10"/>
-    <p:sldLayoutId id="2147483658" r:id="rId11"/>
-    <p:sldLayoutId id="2147483659" r:id="rId12"/>
-    <p:sldLayoutId id="2147483660" r:id="rId13"/>
-  </p:sldLayoutIdLst>
-</p:sldMaster>
+  <p:clrMapOvr>
+    <a:masterClrMapping/>
+  </p:clrMapOvr>
+</p:sld>
 </file>
 
-<file path=ppt/slides/slide1.xml><?xml version="1.0" encoding="utf-8"?>
-<p:sld xmlns:a="http://schemas.openxmlformats.org/drawingml/2006/main" xmlns:p="http://schemas.openxmlformats.org/presentationml/2006/main" xmlns:r="http://schemas.openxmlformats.org/officeDocument/2006/relationships">
+<file path=ppt/slides/slide2.xml><?xml version="1.0" encoding="utf-8"?>
+<p:sld xmlns:a="http://schemas.openxmlformats.org/drawingml/2006/main" xmlns:r="http://schemas.openxmlformats.org/officeDocument/2006/relationships" xmlns:p="http://schemas.openxmlformats.org/presentationml/2006/main">
   <p:cSld>
     <p:spTree>
       <p:nvGrpSpPr>
@@ -1486,7 +2110,7 @@
       </p:grpSpPr>
       <p:sp>
         <p:nvSpPr>
-          <p:cNvPr id="39" name="TextShape 1"/>
+          <p:cNvPr id="41" name="TextShape 1"/>
           <p:cNvSpPr txBox="1"/>
           <p:nvPr/>
         </p:nvSpPr>
@@ -1500,123 +2124,92 @@
           </a:prstGeom>
         </p:spPr>
         <p:txBody>
-          <a:bodyPr lIns="0" rIns="0" tIns="0" bIns="0" anchor="ctr"/>
+          <a:bodyPr lIns="0" tIns="0" rIns="0" bIns="0" anchor="ctr"/>
+          <a:lstStyle/>
           <a:p>
             <a:pPr algn="ctr"/>
             <a:r>
-              <a:rPr lang="fr-FR" sz="4400" u="sng">
-                <a:latin typeface="Arial"/>
-              </a:rPr>
-              <a:t>The Midnight Team</a:t>
-            </a:r>
-            <a:endParaRPr/>
-          </a:p>
-        </p:txBody>
-      </p:sp>
-      <p:sp>
-        <p:nvSpPr>
-          <p:cNvPr id="40" name="TextShape 2"/>
+              <a:rPr lang="fr-FR" sz="4400">
+                <a:latin typeface="Arial"/>
+              </a:rPr>
+              <a:t>Why ?</a:t>
+            </a:r>
+            <a:endParaRPr/>
+          </a:p>
+        </p:txBody>
+      </p:sp>
+      <p:sp>
+        <p:nvSpPr>
+          <p:cNvPr id="42" name="TextShape 2"/>
           <p:cNvSpPr txBox="1"/>
           <p:nvPr/>
         </p:nvSpPr>
         <p:spPr>
           <a:xfrm>
-            <a:off x="504000" y="1682280"/>
-            <a:ext cx="9071640" cy="4557960"/>
-          </a:xfrm>
-          <a:prstGeom prst="rect">
-            <a:avLst/>
-          </a:prstGeom>
-        </p:spPr>
-        <p:txBody>
-          <a:bodyPr lIns="0" rIns="0" tIns="0" bIns="0" anchor="ctr"/>
-          <a:p>
-            <a:pPr algn="ctr"/>
-            <a:r>
-              <a:rPr lang="fr-FR" sz="3200">
-                <a:latin typeface="Arial"/>
-              </a:rPr>
-              <a:t>IBM Watson – École Polytechnique</a:t>
-            </a:r>
-            <a:endParaRPr/>
-          </a:p>
-          <a:p>
-            <a:pPr algn="ctr"/>
-            <a:endParaRPr/>
-          </a:p>
-          <a:p>
-            <a:pPr algn="ctr"/>
-            <a:r>
-              <a:rPr lang="fr-FR" sz="3200">
-                <a:latin typeface="Arial"/>
-              </a:rPr>
-              <a:t>Construction of a recommendation system for books based on a graph database</a:t>
-            </a:r>
-            <a:endParaRPr/>
-          </a:p>
-          <a:p>
-            <a:pPr algn="ctr"/>
-            <a:r>
-              <a:rPr lang="fr-FR" sz="3200">
-                <a:latin typeface="Arial"/>
-              </a:rPr>
-              <a:t>Mario Ynocente Castro</a:t>
-            </a:r>
-            <a:endParaRPr/>
-          </a:p>
-          <a:p>
-            <a:pPr algn="ctr"/>
-            <a:r>
-              <a:rPr lang="fr-FR" sz="3200">
-                <a:latin typeface="Arial"/>
-              </a:rPr>
-              <a:t>Ana-Maria Cretu</a:t>
-            </a:r>
-            <a:endParaRPr/>
-          </a:p>
-          <a:p>
-            <a:pPr algn="ctr"/>
-            <a:r>
-              <a:rPr lang="fr-FR" sz="3200">
-                <a:latin typeface="Arial"/>
-              </a:rPr>
-              <a:t>Jingtao Han</a:t>
-            </a:r>
-            <a:endParaRPr/>
-          </a:p>
-          <a:p>
-            <a:pPr algn="ctr"/>
-            <a:r>
-              <a:rPr lang="fr-FR" sz="3200">
-                <a:latin typeface="Arial"/>
-              </a:rPr>
-              <a:t>Jianyang Pan</a:t>
-            </a:r>
-            <a:endParaRPr/>
-          </a:p>
-          <a:p>
-            <a:pPr algn="ctr"/>
-            <a:r>
-              <a:rPr lang="fr-FR" sz="3200">
-                <a:latin typeface="Arial"/>
-              </a:rPr>
-              <a:t>Baoyang Song</a:t>
-            </a:r>
-            <a:endParaRPr/>
-          </a:p>
-          <a:p>
-            <a:pPr algn="ctr"/>
+            <a:off x="504000" y="1769040"/>
+            <a:ext cx="9071640" cy="4384440"/>
+          </a:xfrm>
+          <a:prstGeom prst="rect">
+            <a:avLst/>
+          </a:prstGeom>
+        </p:spPr>
+        <p:txBody>
+          <a:bodyPr lIns="0" tIns="0" rIns="0" bIns="0"/>
+          <a:lstStyle/>
+          <a:p>
+            <a:pPr>
+              <a:buSzPct val="45000"/>
+              <a:buFont typeface="StarSymbol"/>
+              <a:buChar char=""/>
+            </a:pPr>
+            <a:r>
+              <a:rPr lang="fr-FR" sz="3200">
+                <a:latin typeface="Arial"/>
+              </a:rPr>
+              <a:t>We are not satisfied with the current recommandation system for books.</a:t>
+            </a:r>
+            <a:endParaRPr/>
+          </a:p>
+          <a:p>
+            <a:pPr>
+              <a:buSzPct val="45000"/>
+              <a:buFont typeface="StarSymbol"/>
+              <a:buChar char=""/>
+            </a:pPr>
+            <a:r>
+              <a:rPr lang="fr-FR" sz="3200">
+                <a:latin typeface="Arial"/>
+              </a:rPr>
+              <a:t>Constructing a new recommendation system for the book lovers. </a:t>
+            </a:r>
+            <a:endParaRPr/>
+          </a:p>
+          <a:p>
+            <a:pPr>
+              <a:buSzPct val="45000"/>
+              <a:buFont typeface="StarSymbol"/>
+              <a:buChar char=""/>
+            </a:pPr>
+            <a:r>
+              <a:rPr lang="fr-FR" sz="3200">
+                <a:latin typeface="Arial"/>
+              </a:rPr>
+              <a:t>Proposing relevant books according to the reader's preference and/or previously read books. </a:t>
+            </a:r>
             <a:endParaRPr/>
           </a:p>
         </p:txBody>
       </p:sp>
     </p:spTree>
   </p:cSld>
+  <p:clrMapOvr>
+    <a:masterClrMapping/>
+  </p:clrMapOvr>
 </p:sld>
 </file>
 
-<file path=ppt/slides/slide2.xml><?xml version="1.0" encoding="utf-8"?>
-<p:sld xmlns:a="http://schemas.openxmlformats.org/drawingml/2006/main" xmlns:p="http://schemas.openxmlformats.org/presentationml/2006/main" xmlns:r="http://schemas.openxmlformats.org/officeDocument/2006/relationships">
+<file path=ppt/slides/slide3.xml><?xml version="1.0" encoding="utf-8"?>
+<p:sld xmlns:a="http://schemas.openxmlformats.org/drawingml/2006/main" xmlns:r="http://schemas.openxmlformats.org/officeDocument/2006/relationships" xmlns:p="http://schemas.openxmlformats.org/presentationml/2006/main">
   <p:cSld>
     <p:spTree>
       <p:nvGrpSpPr>
@@ -1634,7 +2227,7 @@
       </p:grpSpPr>
       <p:sp>
         <p:nvSpPr>
-          <p:cNvPr id="41" name="TextShape 1"/>
+          <p:cNvPr id="43" name="TextShape 1"/>
           <p:cNvSpPr txBox="1"/>
           <p:nvPr/>
         </p:nvSpPr>
@@ -1648,22 +2241,23 @@
           </a:prstGeom>
         </p:spPr>
         <p:txBody>
-          <a:bodyPr lIns="0" rIns="0" tIns="0" bIns="0" anchor="ctr"/>
+          <a:bodyPr lIns="0" tIns="0" rIns="0" bIns="0" anchor="ctr"/>
+          <a:lstStyle/>
           <a:p>
             <a:pPr algn="ctr"/>
             <a:r>
               <a:rPr lang="fr-FR" sz="4400">
                 <a:latin typeface="Arial"/>
               </a:rPr>
-              <a:t>Why ?</a:t>
-            </a:r>
-            <a:endParaRPr/>
-          </a:p>
-        </p:txBody>
-      </p:sp>
-      <p:sp>
-        <p:nvSpPr>
-          <p:cNvPr id="42" name="TextShape 2"/>
+              <a:t>How ?</a:t>
+            </a:r>
+            <a:endParaRPr/>
+          </a:p>
+        </p:txBody>
+      </p:sp>
+      <p:sp>
+        <p:nvSpPr>
+          <p:cNvPr id="44" name="TextShape 2"/>
           <p:cNvSpPr txBox="1"/>
           <p:nvPr/>
         </p:nvSpPr>
@@ -1677,7 +2271,8 @@
           </a:prstGeom>
         </p:spPr>
         <p:txBody>
-          <a:bodyPr lIns="0" rIns="0" tIns="0" bIns="0"/>
+          <a:bodyPr lIns="0" tIns="0" rIns="0" bIns="0"/>
+          <a:lstStyle/>
           <a:p>
             <a:pPr>
               <a:buSzPct val="45000"/>
@@ -1688,7 +2283,7 @@
               <a:rPr lang="fr-FR" sz="3200">
                 <a:latin typeface="Arial"/>
               </a:rPr>
-              <a:t>We are not satisfied with the current recommandation system for books.</a:t>
+              <a:t>Lots of books' and users' data on books are available on the web, for example Goodreads API.</a:t>
             </a:r>
             <a:endParaRPr/>
           </a:p>
@@ -1702,21 +2297,7 @@
               <a:rPr lang="fr-FR" sz="3200">
                 <a:latin typeface="Arial"/>
               </a:rPr>
-              <a:t>Constructing a new recommendation system for the book lovers. </a:t>
-            </a:r>
-            <a:endParaRPr/>
-          </a:p>
-          <a:p>
-            <a:pPr>
-              <a:buSzPct val="45000"/>
-              <a:buFont typeface="StarSymbol"/>
-              <a:buChar char=""/>
-            </a:pPr>
-            <a:r>
-              <a:rPr lang="fr-FR" sz="3200">
-                <a:latin typeface="Arial"/>
-              </a:rPr>
-              <a:t>Proposing relevant books according to the reader's preference and/or previously read books. </a:t>
+              <a:t>We want to use efficient tools (IBM Watson) to propose a relevant recommendation system using these data.</a:t>
             </a:r>
             <a:endParaRPr/>
           </a:p>
@@ -1724,11 +2305,14 @@
       </p:sp>
     </p:spTree>
   </p:cSld>
+  <p:clrMapOvr>
+    <a:masterClrMapping/>
+  </p:clrMapOvr>
 </p:sld>
 </file>
 
-<file path=ppt/slides/slide3.xml><?xml version="1.0" encoding="utf-8"?>
-<p:sld xmlns:a="http://schemas.openxmlformats.org/drawingml/2006/main" xmlns:p="http://schemas.openxmlformats.org/presentationml/2006/main" xmlns:r="http://schemas.openxmlformats.org/officeDocument/2006/relationships">
+<file path=ppt/slides/slide4.xml><?xml version="1.0" encoding="utf-8"?>
+<p:sld xmlns:a="http://schemas.openxmlformats.org/drawingml/2006/main" xmlns:r="http://schemas.openxmlformats.org/officeDocument/2006/relationships" xmlns:p="http://schemas.openxmlformats.org/presentationml/2006/main">
   <p:cSld>
     <p:spTree>
       <p:nvGrpSpPr>
@@ -1746,7 +2330,7 @@
       </p:grpSpPr>
       <p:sp>
         <p:nvSpPr>
-          <p:cNvPr id="43" name="TextShape 1"/>
+          <p:cNvPr id="45" name="TextShape 1"/>
           <p:cNvSpPr txBox="1"/>
           <p:nvPr/>
         </p:nvSpPr>
@@ -1760,7 +2344,8 @@
           </a:prstGeom>
         </p:spPr>
         <p:txBody>
-          <a:bodyPr lIns="0" rIns="0" tIns="0" bIns="0" anchor="ctr"/>
+          <a:bodyPr lIns="0" tIns="0" rIns="0" bIns="0" anchor="ctr"/>
+          <a:lstStyle/>
           <a:p>
             <a:pPr algn="ctr"/>
             <a:r>
@@ -1775,7 +2360,7 @@
       </p:sp>
       <p:sp>
         <p:nvSpPr>
-          <p:cNvPr id="44" name="TextShape 2"/>
+          <p:cNvPr id="46" name="TextShape 2"/>
           <p:cNvSpPr txBox="1"/>
           <p:nvPr/>
         </p:nvSpPr>
@@ -1789,7 +2374,8 @@
           </a:prstGeom>
         </p:spPr>
         <p:txBody>
-          <a:bodyPr lIns="0" rIns="0" tIns="0" bIns="0"/>
+          <a:bodyPr lIns="0" tIns="0" rIns="0" bIns="0"/>
+          <a:lstStyle/>
           <a:p>
             <a:pPr>
               <a:buSzPct val="45000"/>
@@ -1800,7 +2386,7 @@
               <a:rPr lang="fr-FR" sz="3200">
                 <a:latin typeface="Arial"/>
               </a:rPr>
-              <a:t>Lots of books' and users' data on books are available on the web, for example Goodreads API.</a:t>
+              <a:t>Initial idea : create a graph interface that allows the user to navigate through books.</a:t>
             </a:r>
             <a:endParaRPr/>
           </a:p>
@@ -1814,7 +2400,35 @@
               <a:rPr lang="fr-FR" sz="3200">
                 <a:latin typeface="Arial"/>
               </a:rPr>
-              <a:t>We want to use efficient tools (IBM Watson) to propose a relevant recommendation system using these data.</a:t>
+              <a:t>Each vertex of the graph represents a book with its relevant information</a:t>
+            </a:r>
+            <a:endParaRPr/>
+          </a:p>
+          <a:p>
+            <a:pPr>
+              <a:buSzPct val="45000"/>
+              <a:buFont typeface="StarSymbol"/>
+              <a:buChar char=""/>
+            </a:pPr>
+            <a:r>
+              <a:rPr lang="fr-FR" sz="3200">
+                <a:latin typeface="Arial"/>
+              </a:rPr>
+              <a:t>An edge connects two books if they are similar enough.</a:t>
+            </a:r>
+            <a:endParaRPr/>
+          </a:p>
+          <a:p>
+            <a:pPr>
+              <a:buSzPct val="45000"/>
+              <a:buFont typeface="StarSymbol"/>
+              <a:buChar char=""/>
+            </a:pPr>
+            <a:r>
+              <a:rPr lang="fr-FR" sz="3200">
+                <a:latin typeface="Arial"/>
+              </a:rPr>
+              <a:t>A user examining a books might also access any adjacent book (according to the similarity criterion)</a:t>
             </a:r>
             <a:endParaRPr/>
           </a:p>
@@ -1822,11 +2436,14 @@
       </p:sp>
     </p:spTree>
   </p:cSld>
+  <p:clrMapOvr>
+    <a:masterClrMapping/>
+  </p:clrMapOvr>
 </p:sld>
 </file>
 
-<file path=ppt/slides/slide4.xml><?xml version="1.0" encoding="utf-8"?>
-<p:sld xmlns:a="http://schemas.openxmlformats.org/drawingml/2006/main" xmlns:p="http://schemas.openxmlformats.org/presentationml/2006/main" xmlns:r="http://schemas.openxmlformats.org/officeDocument/2006/relationships">
+<file path=ppt/slides/slide5.xml><?xml version="1.0" encoding="utf-8"?>
+<p:sld xmlns:a="http://schemas.openxmlformats.org/drawingml/2006/main" xmlns:r="http://schemas.openxmlformats.org/officeDocument/2006/relationships" xmlns:p="http://schemas.openxmlformats.org/presentationml/2006/main">
   <p:cSld>
     <p:spTree>
       <p:nvGrpSpPr>
@@ -1844,7 +2461,7 @@
       </p:grpSpPr>
       <p:sp>
         <p:nvSpPr>
-          <p:cNvPr id="45" name="TextShape 1"/>
+          <p:cNvPr id="47" name="TextShape 1"/>
           <p:cNvSpPr txBox="1"/>
           <p:nvPr/>
         </p:nvSpPr>
@@ -1858,28 +2475,29 @@
           </a:prstGeom>
         </p:spPr>
         <p:txBody>
-          <a:bodyPr lIns="0" rIns="0" tIns="0" bIns="0" anchor="ctr"/>
+          <a:bodyPr lIns="0" tIns="0" rIns="0" bIns="0" anchor="ctr"/>
+          <a:lstStyle/>
           <a:p>
             <a:pPr algn="ctr"/>
             <a:r>
               <a:rPr lang="fr-FR" sz="4400">
                 <a:latin typeface="Arial"/>
               </a:rPr>
-              <a:t>How ?</a:t>
-            </a:r>
-            <a:endParaRPr/>
-          </a:p>
-        </p:txBody>
-      </p:sp>
-      <p:sp>
-        <p:nvSpPr>
-          <p:cNvPr id="46" name="TextShape 2"/>
+              <a:t>Collecting the data</a:t>
+            </a:r>
+            <a:endParaRPr/>
+          </a:p>
+        </p:txBody>
+      </p:sp>
+      <p:sp>
+        <p:nvSpPr>
+          <p:cNvPr id="48" name="TextShape 2"/>
           <p:cNvSpPr txBox="1"/>
           <p:nvPr/>
         </p:nvSpPr>
         <p:spPr>
           <a:xfrm>
-            <a:off x="504000" y="1769040"/>
+            <a:off x="548640" y="1563480"/>
             <a:ext cx="9071640" cy="4384440"/>
           </a:xfrm>
           <a:prstGeom prst="rect">
@@ -1887,7 +2505,8 @@
           </a:prstGeom>
         </p:spPr>
         <p:txBody>
-          <a:bodyPr lIns="0" rIns="0" tIns="0" bIns="0"/>
+          <a:bodyPr lIns="0" tIns="0" rIns="0" bIns="0"/>
+          <a:lstStyle/>
           <a:p>
             <a:pPr>
               <a:buSzPct val="45000"/>
@@ -1898,7 +2517,7 @@
               <a:rPr lang="fr-FR" sz="3200">
                 <a:latin typeface="Arial"/>
               </a:rPr>
-              <a:t>Initial idea : create a graph interface that allows the user to navigate through books.</a:t>
+              <a:t>Using the Goodreads API</a:t>
             </a:r>
             <a:endParaRPr/>
           </a:p>
@@ -1912,7 +2531,7 @@
               <a:rPr lang="fr-FR" sz="3200">
                 <a:latin typeface="Arial"/>
               </a:rPr>
-              <a:t>Each vertex of the graph represents a book with its relevant information</a:t>
+              <a:t>We fetch the data using Python</a:t>
             </a:r>
             <a:endParaRPr/>
           </a:p>
@@ -1926,7 +2545,7 @@
               <a:rPr lang="fr-FR" sz="3200">
                 <a:latin typeface="Arial"/>
               </a:rPr>
-              <a:t>An edge connects two books if they are similar enough.</a:t>
+              <a:t>Libraries : Scrapy, BeautifulSoup</a:t>
             </a:r>
             <a:endParaRPr/>
           </a:p>
@@ -1940,7 +2559,21 @@
               <a:rPr lang="fr-FR" sz="3200">
                 <a:latin typeface="Arial"/>
               </a:rPr>
-              <a:t>A user examining a books might also access any adjacent book (according to the similarity criterion)</a:t>
+              <a:t>At present : 3000 books, 99 reviews for each</a:t>
+            </a:r>
+            <a:endParaRPr/>
+          </a:p>
+          <a:p>
+            <a:pPr>
+              <a:buSzPct val="45000"/>
+              <a:buFont typeface="StarSymbol"/>
+              <a:buChar char=""/>
+            </a:pPr>
+            <a:r>
+              <a:rPr lang="fr-FR" sz="3200">
+                <a:latin typeface="Arial"/>
+              </a:rPr>
+              <a:t>Format : JSON</a:t>
             </a:r>
             <a:endParaRPr/>
           </a:p>
@@ -1948,11 +2581,14 @@
       </p:sp>
     </p:spTree>
   </p:cSld>
+  <p:clrMapOvr>
+    <a:masterClrMapping/>
+  </p:clrMapOvr>
 </p:sld>
 </file>
 
-<file path=ppt/slides/slide5.xml><?xml version="1.0" encoding="utf-8"?>
-<p:sld xmlns:a="http://schemas.openxmlformats.org/drawingml/2006/main" xmlns:p="http://schemas.openxmlformats.org/presentationml/2006/main" xmlns:r="http://schemas.openxmlformats.org/officeDocument/2006/relationships">
+<file path=ppt/slides/slide6.xml><?xml version="1.0" encoding="utf-8"?>
+<p:sld xmlns:a="http://schemas.openxmlformats.org/drawingml/2006/main" xmlns:r="http://schemas.openxmlformats.org/officeDocument/2006/relationships" xmlns:p="http://schemas.openxmlformats.org/presentationml/2006/main">
   <p:cSld>
     <p:spTree>
       <p:nvGrpSpPr>
@@ -1970,7 +2606,7 @@
       </p:grpSpPr>
       <p:sp>
         <p:nvSpPr>
-          <p:cNvPr id="47" name="TextShape 1"/>
+          <p:cNvPr id="49" name="TextShape 1"/>
           <p:cNvSpPr txBox="1"/>
           <p:nvPr/>
         </p:nvSpPr>
@@ -1984,28 +2620,29 @@
           </a:prstGeom>
         </p:spPr>
         <p:txBody>
-          <a:bodyPr lIns="0" rIns="0" tIns="0" bIns="0" anchor="ctr"/>
+          <a:bodyPr lIns="0" tIns="0" rIns="0" bIns="0" anchor="ctr"/>
+          <a:lstStyle/>
           <a:p>
             <a:pPr algn="ctr"/>
             <a:r>
               <a:rPr lang="fr-FR" sz="4400">
                 <a:latin typeface="Arial"/>
               </a:rPr>
-              <a:t>Collecting the data</a:t>
-            </a:r>
-            <a:endParaRPr/>
-          </a:p>
-        </p:txBody>
-      </p:sp>
-      <p:sp>
-        <p:nvSpPr>
-          <p:cNvPr id="48" name="TextShape 2"/>
+              <a:t>IBM Bluemix tools</a:t>
+            </a:r>
+            <a:endParaRPr/>
+          </a:p>
+        </p:txBody>
+      </p:sp>
+      <p:sp>
+        <p:nvSpPr>
+          <p:cNvPr id="50" name="TextShape 2"/>
           <p:cNvSpPr txBox="1"/>
           <p:nvPr/>
         </p:nvSpPr>
         <p:spPr>
           <a:xfrm>
-            <a:off x="548640" y="1563480"/>
+            <a:off x="504000" y="1769040"/>
             <a:ext cx="9071640" cy="4384440"/>
           </a:xfrm>
           <a:prstGeom prst="rect">
@@ -2013,74 +2650,32 @@
           </a:prstGeom>
         </p:spPr>
         <p:txBody>
-          <a:bodyPr lIns="0" rIns="0" tIns="0" bIns="0"/>
-          <a:p>
-            <a:pPr>
-              <a:buSzPct val="45000"/>
-              <a:buFont typeface="StarSymbol"/>
-              <a:buChar char=""/>
-            </a:pPr>
-            <a:r>
-              <a:rPr lang="fr-FR" sz="3200">
-                <a:latin typeface="Arial"/>
-              </a:rPr>
-              <a:t>Using the Goodreads API</a:t>
-            </a:r>
-            <a:endParaRPr/>
-          </a:p>
-          <a:p>
-            <a:pPr>
-              <a:buSzPct val="45000"/>
-              <a:buFont typeface="StarSymbol"/>
-              <a:buChar char=""/>
-            </a:pPr>
-            <a:r>
-              <a:rPr lang="fr-FR" sz="3200">
-                <a:latin typeface="Arial"/>
-              </a:rPr>
-              <a:t>We fetch the data using Python</a:t>
-            </a:r>
-            <a:endParaRPr/>
-          </a:p>
-          <a:p>
-            <a:pPr>
-              <a:buSzPct val="45000"/>
-              <a:buFont typeface="StarSymbol"/>
-              <a:buChar char=""/>
-            </a:pPr>
-            <a:r>
-              <a:rPr lang="fr-FR" sz="3200">
-                <a:latin typeface="Arial"/>
-              </a:rPr>
-              <a:t>Libraries : Scrapy, BeautifulSoup</a:t>
-            </a:r>
-            <a:endParaRPr/>
-          </a:p>
-          <a:p>
-            <a:pPr>
-              <a:buSzPct val="45000"/>
-              <a:buFont typeface="StarSymbol"/>
-              <a:buChar char=""/>
-            </a:pPr>
-            <a:r>
-              <a:rPr lang="fr-FR" sz="3200">
-                <a:latin typeface="Arial"/>
-              </a:rPr>
-              <a:t>At present : 3000 books, 99 reviews for each</a:t>
-            </a:r>
-            <a:endParaRPr/>
-          </a:p>
-          <a:p>
-            <a:pPr>
-              <a:buSzPct val="45000"/>
-              <a:buFont typeface="StarSymbol"/>
-              <a:buChar char=""/>
-            </a:pPr>
-            <a:r>
-              <a:rPr lang="fr-FR" sz="3200">
-                <a:latin typeface="Arial"/>
-              </a:rPr>
-              <a:t>Format : JSON</a:t>
+          <a:bodyPr lIns="0" tIns="0" rIns="0" bIns="0"/>
+          <a:lstStyle/>
+          <a:p>
+            <a:r>
+              <a:rPr lang="fr-FR" sz="3200">
+                <a:latin typeface="Arial"/>
+              </a:rPr>
+              <a:t>- for the recommendation system (constructing the edges between the books) : Alchemy API (for extracting concepts about texts)</a:t>
+            </a:r>
+            <a:endParaRPr/>
+          </a:p>
+          <a:p>
+            <a:r>
+              <a:rPr lang="fr-FR" sz="3200">
+                <a:latin typeface="Arial"/>
+              </a:rPr>
+              <a:t>- for the graph database: Graph Data Store to create relevant links between books. It will therefore useful to better recommend books</a:t>
+            </a:r>
+            <a:endParaRPr/>
+          </a:p>
+          <a:p>
+            <a:r>
+              <a:rPr lang="fr-FR" sz="3200">
+                <a:latin typeface="Arial"/>
+              </a:rPr>
+              <a:t>- for the user interface : to define</a:t>
             </a:r>
             <a:endParaRPr/>
           </a:p>
@@ -2088,11 +2683,14 @@
       </p:sp>
     </p:spTree>
   </p:cSld>
+  <p:clrMapOvr>
+    <a:masterClrMapping/>
+  </p:clrMapOvr>
 </p:sld>
 </file>
 
-<file path=ppt/slides/slide6.xml><?xml version="1.0" encoding="utf-8"?>
-<p:sld xmlns:a="http://schemas.openxmlformats.org/drawingml/2006/main" xmlns:p="http://schemas.openxmlformats.org/presentationml/2006/main" xmlns:r="http://schemas.openxmlformats.org/officeDocument/2006/relationships">
+<file path=ppt/slides/slide7.xml><?xml version="1.0" encoding="utf-8"?>
+<p:sld xmlns:a="http://schemas.openxmlformats.org/drawingml/2006/main" xmlns:r="http://schemas.openxmlformats.org/officeDocument/2006/relationships" xmlns:p="http://schemas.openxmlformats.org/presentationml/2006/main">
   <p:cSld>
     <p:spTree>
       <p:nvGrpSpPr>
@@ -2110,7 +2708,7 @@
       </p:grpSpPr>
       <p:sp>
         <p:nvSpPr>
-          <p:cNvPr id="49" name="TextShape 1"/>
+          <p:cNvPr id="51" name="TextShape 1"/>
           <p:cNvSpPr txBox="1"/>
           <p:nvPr/>
         </p:nvSpPr>
@@ -2124,22 +2722,23 @@
           </a:prstGeom>
         </p:spPr>
         <p:txBody>
-          <a:bodyPr lIns="0" rIns="0" tIns="0" bIns="0" anchor="ctr"/>
+          <a:bodyPr lIns="0" tIns="0" rIns="0" bIns="0" anchor="ctr"/>
+          <a:lstStyle/>
           <a:p>
             <a:pPr algn="ctr"/>
             <a:r>
               <a:rPr lang="fr-FR" sz="4400">
                 <a:latin typeface="Arial"/>
               </a:rPr>
-              <a:t>IBM Bluemix tools</a:t>
-            </a:r>
-            <a:endParaRPr/>
-          </a:p>
-        </p:txBody>
-      </p:sp>
-      <p:sp>
-        <p:nvSpPr>
-          <p:cNvPr id="50" name="TextShape 2"/>
+              <a:t>Schedule</a:t>
+            </a:r>
+            <a:endParaRPr/>
+          </a:p>
+        </p:txBody>
+      </p:sp>
+      <p:sp>
+        <p:nvSpPr>
+          <p:cNvPr id="52" name="TextShape 2"/>
           <p:cNvSpPr txBox="1"/>
           <p:nvPr/>
         </p:nvSpPr>
@@ -2153,31 +2752,86 @@
           </a:prstGeom>
         </p:spPr>
         <p:txBody>
-          <a:bodyPr lIns="0" rIns="0" tIns="0" bIns="0"/>
-          <a:p>
-            <a:r>
-              <a:rPr lang="fr-FR" sz="3200">
-                <a:latin typeface="Arial"/>
-              </a:rPr>
-              <a:t>- for the recommendation system (constructing the edges between the books) : Alchemy API (for extracting concepts about texts)</a:t>
-            </a:r>
-            <a:endParaRPr/>
-          </a:p>
-          <a:p>
-            <a:r>
-              <a:rPr lang="fr-FR" sz="3200">
-                <a:latin typeface="Arial"/>
-              </a:rPr>
-              <a:t>- for the graph database: Graph Data Store to create relevant links between books. It will therefore useful to better recommend books</a:t>
-            </a:r>
-            <a:endParaRPr/>
-          </a:p>
-          <a:p>
-            <a:r>
-              <a:rPr lang="fr-FR" sz="3200">
-                <a:latin typeface="Arial"/>
-              </a:rPr>
-              <a:t>- for the user interface : to define</a:t>
+          <a:bodyPr lIns="0" tIns="0" rIns="0" bIns="0"/>
+          <a:lstStyle/>
+          <a:p>
+            <a:r>
+              <a:rPr lang="fr-FR" sz="3200">
+                <a:latin typeface="Arial"/>
+              </a:rPr>
+              <a:t>- Before the Christmas holidays </a:t>
+            </a:r>
+            <a:endParaRPr/>
+          </a:p>
+          <a:p>
+            <a:r>
+              <a:rPr lang="fr-FR" sz="3200">
+                <a:latin typeface="Arial"/>
+              </a:rPr>
+              <a:t>      - finalize the collection of data</a:t>
+            </a:r>
+            <a:endParaRPr/>
+          </a:p>
+          <a:p>
+            <a:r>
+              <a:rPr lang="fr-FR" sz="3200">
+                <a:latin typeface="Arial"/>
+              </a:rPr>
+              <a:t>      - begin to fill the graph database provided by the Graph Data Store (only the           vertices)</a:t>
+            </a:r>
+            <a:endParaRPr/>
+          </a:p>
+          <a:p>
+            <a:r>
+              <a:rPr lang="fr-FR" sz="3200">
+                <a:latin typeface="Arial"/>
+              </a:rPr>
+              <a:t>- Before the 8th of January</a:t>
+            </a:r>
+            <a:endParaRPr/>
+          </a:p>
+          <a:p>
+            <a:r>
+              <a:rPr lang="fr-FR" sz="3200">
+                <a:latin typeface="Arial"/>
+              </a:rPr>
+              <a:t>      - a state of the art of the techniques used to compute the similarity between books using users' tags/ text/ description/ reviews</a:t>
+            </a:r>
+            <a:endParaRPr/>
+          </a:p>
+          <a:p>
+            <a:r>
+              <a:rPr lang="fr-FR" sz="3200">
+                <a:latin typeface="Arial"/>
+              </a:rPr>
+              <a:t>      - decide which Bluemix tool will be more appropiate to implement one of these methods</a:t>
+            </a:r>
+            <a:endParaRPr/>
+          </a:p>
+          <a:p>
+            <a:r>
+              <a:rPr lang="fr-FR" sz="3200">
+                <a:latin typeface="Arial"/>
+              </a:rPr>
+              <a:t>- Before the 22th of January : implement an efficient method to compute the similarity</a:t>
+            </a:r>
+            <a:endParaRPr/>
+          </a:p>
+          <a:p>
+            <a:r>
+              <a:rPr lang="fr-FR" sz="3200">
+                <a:latin typeface="Arial"/>
+              </a:rPr>
+              <a:t>- Before the 1st of February : add the edges to the graph database.</a:t>
+            </a:r>
+            <a:endParaRPr/>
+          </a:p>
+          <a:p>
+            <a:r>
+              <a:rPr lang="fr-FR" sz="3200">
+                <a:latin typeface="Arial"/>
+              </a:rPr>
+              <a:t>- Until the end : create and design a user interface and prepare the demo.</a:t>
             </a:r>
             <a:endParaRPr/>
           </a:p>
@@ -2185,11 +2839,14 @@
       </p:sp>
     </p:spTree>
   </p:cSld>
+  <p:clrMapOvr>
+    <a:masterClrMapping/>
+  </p:clrMapOvr>
 </p:sld>
 </file>
 
-<file path=ppt/slides/slide7.xml><?xml version="1.0" encoding="utf-8"?>
-<p:sld xmlns:a="http://schemas.openxmlformats.org/drawingml/2006/main" xmlns:p="http://schemas.openxmlformats.org/presentationml/2006/main" xmlns:r="http://schemas.openxmlformats.org/officeDocument/2006/relationships">
+<file path=ppt/slides/slide8.xml><?xml version="1.0" encoding="utf-8"?>
+<p:sld xmlns:a="http://schemas.openxmlformats.org/drawingml/2006/main" xmlns:r="http://schemas.openxmlformats.org/officeDocument/2006/relationships" xmlns:p="http://schemas.openxmlformats.org/presentationml/2006/main">
   <p:cSld>
     <p:spTree>
       <p:nvGrpSpPr>
@@ -2207,7 +2864,7 @@
       </p:grpSpPr>
       <p:sp>
         <p:nvSpPr>
-          <p:cNvPr id="51" name="TextShape 1"/>
+          <p:cNvPr id="53" name="TextShape 1"/>
           <p:cNvSpPr txBox="1"/>
           <p:nvPr/>
         </p:nvSpPr>
@@ -2221,22 +2878,23 @@
           </a:prstGeom>
         </p:spPr>
         <p:txBody>
-          <a:bodyPr lIns="0" rIns="0" tIns="0" bIns="0" anchor="ctr"/>
+          <a:bodyPr lIns="0" tIns="0" rIns="0" bIns="0" anchor="ctr"/>
+          <a:lstStyle/>
           <a:p>
             <a:pPr algn="ctr"/>
             <a:r>
               <a:rPr lang="fr-FR" sz="4400">
                 <a:latin typeface="Arial"/>
               </a:rPr>
-              <a:t>Schedule</a:t>
-            </a:r>
-            <a:endParaRPr/>
-          </a:p>
-        </p:txBody>
-      </p:sp>
-      <p:sp>
-        <p:nvSpPr>
-          <p:cNvPr id="52" name="TextShape 2"/>
+              <a:t>Roles</a:t>
+            </a:r>
+            <a:endParaRPr/>
+          </a:p>
+        </p:txBody>
+      </p:sp>
+      <p:sp>
+        <p:nvSpPr>
+          <p:cNvPr id="54" name="TextShape 2"/>
           <p:cNvSpPr txBox="1"/>
           <p:nvPr/>
         </p:nvSpPr>
@@ -2250,109 +2908,47 @@
           </a:prstGeom>
         </p:spPr>
         <p:txBody>
-          <a:bodyPr lIns="0" rIns="0" tIns="0" bIns="0"/>
-          <a:p>
-            <a:r>
-              <a:rPr lang="fr-FR" sz="3200">
-                <a:latin typeface="Arial"/>
-              </a:rPr>
-              <a:t>- Before the Christmas holidays </a:t>
-            </a:r>
-            <a:endParaRPr/>
-          </a:p>
-          <a:p>
-            <a:r>
-              <a:rPr lang="fr-FR" sz="3200">
-                <a:latin typeface="Arial"/>
-              </a:rPr>
-              <a:t>      </a:t>
-            </a:r>
-            <a:r>
-              <a:rPr lang="fr-FR" sz="3200">
-                <a:latin typeface="Arial"/>
-              </a:rPr>
-              <a:t>- finalize the collection of data</a:t>
-            </a:r>
-            <a:endParaRPr/>
-          </a:p>
-          <a:p>
-            <a:r>
-              <a:rPr lang="fr-FR" sz="3200">
-                <a:latin typeface="Arial"/>
-              </a:rPr>
-              <a:t>      </a:t>
-            </a:r>
-            <a:r>
-              <a:rPr lang="fr-FR" sz="3200">
-                <a:latin typeface="Arial"/>
-              </a:rPr>
-              <a:t>- begin to fill the graph database provided by the Graph Data Store (only the           vertices)</a:t>
-            </a:r>
-            <a:endParaRPr/>
-          </a:p>
-          <a:p>
-            <a:r>
-              <a:rPr lang="fr-FR" sz="3200">
-                <a:latin typeface="Arial"/>
-              </a:rPr>
-              <a:t>- Before the 8th of January</a:t>
-            </a:r>
-            <a:endParaRPr/>
-          </a:p>
-          <a:p>
-            <a:r>
-              <a:rPr lang="fr-FR" sz="3200">
-                <a:latin typeface="Arial"/>
-              </a:rPr>
-              <a:t>      </a:t>
-            </a:r>
-            <a:r>
-              <a:rPr lang="fr-FR" sz="3200">
-                <a:latin typeface="Arial"/>
-              </a:rPr>
-              <a:t>- a state of the art of the techniques used to compute the similarity between books using users' tags/ text/ description/ reviews</a:t>
-            </a:r>
-            <a:endParaRPr/>
-          </a:p>
-          <a:p>
-            <a:r>
-              <a:rPr lang="fr-FR" sz="3200">
-                <a:latin typeface="Arial"/>
-              </a:rPr>
-              <a:t>      </a:t>
-            </a:r>
-            <a:r>
-              <a:rPr lang="fr-FR" sz="3200">
-                <a:latin typeface="Arial"/>
-              </a:rPr>
-              <a:t>- decide which Bluemix tool will be more appropiate to implement one of these methods</a:t>
-            </a:r>
-            <a:endParaRPr/>
-          </a:p>
-          <a:p>
-            <a:r>
-              <a:rPr lang="fr-FR" sz="3200">
-                <a:latin typeface="Arial"/>
-              </a:rPr>
-              <a:t>- Before the 22th of January : implement an efficient method to compute the similarity</a:t>
-            </a:r>
-            <a:endParaRPr/>
-          </a:p>
-          <a:p>
-            <a:r>
-              <a:rPr lang="fr-FR" sz="3200">
-                <a:latin typeface="Arial"/>
-              </a:rPr>
-              <a:t>- Before the 1st of February : add the edges to the graph database.</a:t>
-            </a:r>
-            <a:endParaRPr/>
-          </a:p>
-          <a:p>
-            <a:r>
-              <a:rPr lang="fr-FR" sz="3200">
-                <a:latin typeface="Arial"/>
-              </a:rPr>
-              <a:t>- Until the end : create and design a user interface and prepare the demo.</a:t>
+          <a:bodyPr lIns="0" tIns="0" rIns="0" bIns="0"/>
+          <a:lstStyle/>
+          <a:p>
+            <a:pPr>
+              <a:buSzPct val="45000"/>
+              <a:buFont typeface="StarSymbol"/>
+              <a:buChar char=""/>
+            </a:pPr>
+            <a:r>
+              <a:rPr lang="fr-FR" sz="3200">
+                <a:latin typeface="Arial"/>
+              </a:rPr>
+              <a:t>Graph data store and visualization : Mario Ynocente Castro &amp; Jianyang Pan </a:t>
+            </a:r>
+            <a:endParaRPr/>
+          </a:p>
+          <a:p>
+            <a:pPr>
+              <a:buSzPct val="45000"/>
+              <a:buFont typeface="StarSymbol"/>
+              <a:buChar char=""/>
+            </a:pPr>
+            <a:r>
+              <a:rPr lang="fr-FR" sz="3200">
+                <a:latin typeface="Arial"/>
+              </a:rPr>
+              <a:t>Compute the similarity : Ana-Maria Cretu &amp; Baoyang Song</a:t>
+            </a:r>
+            <a:endParaRPr/>
+          </a:p>
+          <a:p>
+            <a:pPr>
+              <a:buSzPct val="45000"/>
+              <a:buFont typeface="StarSymbol"/>
+              <a:buChar char=""/>
+            </a:pPr>
+            <a:r>
+              <a:rPr lang="fr-FR" sz="3200">
+                <a:latin typeface="Arial"/>
+              </a:rPr>
+              <a:t>The user interface- Jingtao Han</a:t>
             </a:r>
             <a:endParaRPr/>
           </a:p>
@@ -2360,11 +2956,14 @@
       </p:sp>
     </p:spTree>
   </p:cSld>
+  <p:clrMapOvr>
+    <a:masterClrMapping/>
+  </p:clrMapOvr>
 </p:sld>
 </file>
 
-<file path=ppt/slides/slide8.xml><?xml version="1.0" encoding="utf-8"?>
-<p:sld xmlns:a="http://schemas.openxmlformats.org/drawingml/2006/main" xmlns:p="http://schemas.openxmlformats.org/presentationml/2006/main" xmlns:r="http://schemas.openxmlformats.org/officeDocument/2006/relationships">
+<file path=ppt/slides/slide9.xml><?xml version="1.0" encoding="utf-8"?>
+<p:sld xmlns:a="http://schemas.openxmlformats.org/drawingml/2006/main" xmlns:r="http://schemas.openxmlformats.org/officeDocument/2006/relationships" xmlns:p="http://schemas.openxmlformats.org/presentationml/2006/main">
   <p:cSld>
     <p:spTree>
       <p:nvGrpSpPr>
@@ -2382,7 +2981,7 @@
       </p:grpSpPr>
       <p:sp>
         <p:nvSpPr>
-          <p:cNvPr id="53" name="TextShape 1"/>
+          <p:cNvPr id="55" name="TextShape 1"/>
           <p:cNvSpPr txBox="1"/>
           <p:nvPr/>
         </p:nvSpPr>
@@ -2396,22 +2995,23 @@
           </a:prstGeom>
         </p:spPr>
         <p:txBody>
-          <a:bodyPr lIns="0" rIns="0" tIns="0" bIns="0" anchor="ctr"/>
+          <a:bodyPr lIns="0" tIns="0" rIns="0" bIns="0" anchor="ctr"/>
+          <a:lstStyle/>
           <a:p>
             <a:pPr algn="ctr"/>
             <a:r>
               <a:rPr lang="fr-FR" sz="4400">
                 <a:latin typeface="Arial"/>
               </a:rPr>
-              <a:t>Roles</a:t>
-            </a:r>
-            <a:endParaRPr/>
-          </a:p>
-        </p:txBody>
-      </p:sp>
-      <p:sp>
-        <p:nvSpPr>
-          <p:cNvPr id="54" name="TextShape 2"/>
+              <a:t>Conclusion</a:t>
+            </a:r>
+            <a:endParaRPr/>
+          </a:p>
+        </p:txBody>
+      </p:sp>
+      <p:sp>
+        <p:nvSpPr>
+          <p:cNvPr id="56" name="TextShape 2"/>
           <p:cNvSpPr txBox="1"/>
           <p:nvPr/>
         </p:nvSpPr>
@@ -2425,7 +3025,8 @@
           </a:prstGeom>
         </p:spPr>
         <p:txBody>
-          <a:bodyPr lIns="0" rIns="0" tIns="0" bIns="0"/>
+          <a:bodyPr lIns="0" tIns="0" rIns="0" bIns="0"/>
+          <a:lstStyle/>
           <a:p>
             <a:pPr>
               <a:buSzPct val="45000"/>
@@ -2436,7 +3037,7 @@
               <a:rPr lang="fr-FR" sz="3200">
                 <a:latin typeface="Arial"/>
               </a:rPr>
-              <a:t>Graph data store and visualization : Mario Ynocente Castro &amp; Jianyang Pan </a:t>
+              <a:t>Questions, suggestions?</a:t>
             </a:r>
             <a:endParaRPr/>
           </a:p>
@@ -2450,21 +3051,7 @@
               <a:rPr lang="fr-FR" sz="3200">
                 <a:latin typeface="Arial"/>
               </a:rPr>
-              <a:t>Compute the similarity : Ana-Maria Cretu &amp; Baoyang Song</a:t>
-            </a:r>
-            <a:endParaRPr/>
-          </a:p>
-          <a:p>
-            <a:pPr>
-              <a:buSzPct val="45000"/>
-              <a:buFont typeface="StarSymbol"/>
-              <a:buChar char=""/>
-            </a:pPr>
-            <a:r>
-              <a:rPr lang="fr-FR" sz="3200">
-                <a:latin typeface="Arial"/>
-              </a:rPr>
-              <a:t>The user interface- Jingtao Han</a:t>
+              <a:t>Thank you for your attention !</a:t>
             </a:r>
             <a:endParaRPr/>
           </a:p>
@@ -2472,104 +3059,9 @@
       </p:sp>
     </p:spTree>
   </p:cSld>
-</p:sld>
-</file>
-
-<file path=ppt/slides/slide9.xml><?xml version="1.0" encoding="utf-8"?>
-<p:sld xmlns:a="http://schemas.openxmlformats.org/drawingml/2006/main" xmlns:p="http://schemas.openxmlformats.org/presentationml/2006/main" xmlns:r="http://schemas.openxmlformats.org/officeDocument/2006/relationships">
-  <p:cSld>
-    <p:spTree>
-      <p:nvGrpSpPr>
-        <p:cNvPr id="1" name=""/>
-        <p:cNvGrpSpPr/>
-        <p:nvPr/>
-      </p:nvGrpSpPr>
-      <p:grpSpPr>
-        <a:xfrm>
-          <a:off x="0" y="0"/>
-          <a:ext cx="0" cy="0"/>
-          <a:chOff x="0" y="0"/>
-          <a:chExt cx="0" cy="0"/>
-        </a:xfrm>
-      </p:grpSpPr>
-      <p:sp>
-        <p:nvSpPr>
-          <p:cNvPr id="55" name="TextShape 1"/>
-          <p:cNvSpPr txBox="1"/>
-          <p:nvPr/>
-        </p:nvSpPr>
-        <p:spPr>
-          <a:xfrm>
-            <a:off x="504000" y="301320"/>
-            <a:ext cx="9071640" cy="1262160"/>
-          </a:xfrm>
-          <a:prstGeom prst="rect">
-            <a:avLst/>
-          </a:prstGeom>
-        </p:spPr>
-        <p:txBody>
-          <a:bodyPr lIns="0" rIns="0" tIns="0" bIns="0" anchor="ctr"/>
-          <a:p>
-            <a:pPr algn="ctr"/>
-            <a:r>
-              <a:rPr lang="fr-FR" sz="4400">
-                <a:latin typeface="Arial"/>
-              </a:rPr>
-              <a:t>Conclusion</a:t>
-            </a:r>
-            <a:endParaRPr/>
-          </a:p>
-        </p:txBody>
-      </p:sp>
-      <p:sp>
-        <p:nvSpPr>
-          <p:cNvPr id="56" name="TextShape 2"/>
-          <p:cNvSpPr txBox="1"/>
-          <p:nvPr/>
-        </p:nvSpPr>
-        <p:spPr>
-          <a:xfrm>
-            <a:off x="504000" y="1769040"/>
-            <a:ext cx="9071640" cy="4384440"/>
-          </a:xfrm>
-          <a:prstGeom prst="rect">
-            <a:avLst/>
-          </a:prstGeom>
-        </p:spPr>
-        <p:txBody>
-          <a:bodyPr lIns="0" rIns="0" tIns="0" bIns="0"/>
-          <a:p>
-            <a:pPr>
-              <a:buSzPct val="45000"/>
-              <a:buFont typeface="StarSymbol"/>
-              <a:buChar char=""/>
-            </a:pPr>
-            <a:r>
-              <a:rPr lang="fr-FR" sz="3200">
-                <a:latin typeface="Arial"/>
-              </a:rPr>
-              <a:t>Questions, suggestions?</a:t>
-            </a:r>
-            <a:endParaRPr/>
-          </a:p>
-          <a:p>
-            <a:pPr>
-              <a:buSzPct val="45000"/>
-              <a:buFont typeface="StarSymbol"/>
-              <a:buChar char=""/>
-            </a:pPr>
-            <a:r>
-              <a:rPr lang="fr-FR" sz="3200">
-                <a:latin typeface="Arial"/>
-              </a:rPr>
-              <a:t>Thank you for your attention !</a:t>
-            </a:r>
-            <a:endParaRPr/>
-          </a:p>
-        </p:txBody>
-      </p:sp>
-    </p:spTree>
-  </p:cSld>
+  <p:clrMapOvr>
+    <a:masterClrMapping/>
+  </p:clrMapOvr>
 </p:sld>
 </file>
 
@@ -2793,5 +3285,7 @@
       </a:bgFillStyleLst>
     </a:fmtScheme>
   </a:themeElements>
+  <a:objectDefaults/>
+  <a:extraClrSchemeLst/>
 </a:theme>
 </file>